--- a/Semana 3/Presentación.pptx
+++ b/Semana 3/Presentación.pptx
@@ -5,7 +5,7 @@
     <p:sldMasterId id="2147483672" r:id="rId1"/>
   </p:sldMasterIdLst>
   <p:notesMasterIdLst>
-    <p:notesMasterId r:id="rId49"/>
+    <p:notesMasterId r:id="rId52"/>
   </p:notesMasterIdLst>
   <p:sldIdLst>
     <p:sldId id="256" r:id="rId2"/>
@@ -54,7 +54,10 @@
     <p:sldId id="288" r:id="rId45"/>
     <p:sldId id="258" r:id="rId46"/>
     <p:sldId id="308" r:id="rId47"/>
-    <p:sldId id="257" r:id="rId48"/>
+    <p:sldId id="309" r:id="rId48"/>
+    <p:sldId id="257" r:id="rId49"/>
+    <p:sldId id="310" r:id="rId50"/>
+    <p:sldId id="311" r:id="rId51"/>
   </p:sldIdLst>
   <p:sldSz cx="12192000" cy="6858000"/>
   <p:notesSz cx="6858000" cy="9144000"/>
@@ -153,6 +156,11 @@
       </a:defRPr>
     </a:lvl9pPr>
   </p:defaultTextStyle>
+  <p:extLst>
+    <p:ext uri="{EFAFB233-063F-42B5-8137-9DF3F51BA10A}">
+      <p15:sldGuideLst xmlns:p15="http://schemas.microsoft.com/office/powerpoint/2012/main"/>
+    </p:ext>
+  </p:extLst>
 </p:presentation>
 </file>
 
@@ -238,7 +246,7 @@
           <a:p>
             <a:fld id="{430AAACB-714D-4ED6-9BCD-E10DE1E326CF}" type="datetimeFigureOut">
               <a:rPr lang="es-CO" smtClean="0"/>
-              <a:t>3/02/2019</a:t>
+              <a:t>6/02/2019</a:t>
             </a:fld>
             <a:endParaRPr lang="es-CO"/>
           </a:p>
@@ -2476,7 +2484,7 @@
           <a:p>
             <a:fld id="{C214C790-AC43-4046-BAB7-879940BCF0AB}" type="datetimeFigureOut">
               <a:rPr lang="es-CO" smtClean="0"/>
-              <a:t>3/02/2019</a:t>
+              <a:t>6/02/2019</a:t>
             </a:fld>
             <a:endParaRPr lang="es-CO"/>
           </a:p>
@@ -2684,7 +2692,7 @@
           <a:p>
             <a:fld id="{C214C790-AC43-4046-BAB7-879940BCF0AB}" type="datetimeFigureOut">
               <a:rPr lang="es-CO" smtClean="0"/>
-              <a:t>3/02/2019</a:t>
+              <a:t>6/02/2019</a:t>
             </a:fld>
             <a:endParaRPr lang="es-CO"/>
           </a:p>
@@ -2940,7 +2948,7 @@
           <a:p>
             <a:fld id="{C214C790-AC43-4046-BAB7-879940BCF0AB}" type="datetimeFigureOut">
               <a:rPr lang="es-CO" smtClean="0"/>
-              <a:t>3/02/2019</a:t>
+              <a:t>6/02/2019</a:t>
             </a:fld>
             <a:endParaRPr lang="es-CO"/>
           </a:p>
@@ -3110,7 +3118,7 @@
           <a:p>
             <a:fld id="{C214C790-AC43-4046-BAB7-879940BCF0AB}" type="datetimeFigureOut">
               <a:rPr lang="es-CO" smtClean="0"/>
-              <a:t>3/02/2019</a:t>
+              <a:t>6/02/2019</a:t>
             </a:fld>
             <a:endParaRPr lang="es-CO"/>
           </a:p>
@@ -3453,7 +3461,7 @@
           <a:p>
             <a:fld id="{C214C790-AC43-4046-BAB7-879940BCF0AB}" type="datetimeFigureOut">
               <a:rPr lang="es-CO" smtClean="0"/>
-              <a:t>3/02/2019</a:t>
+              <a:t>6/02/2019</a:t>
             </a:fld>
             <a:endParaRPr lang="es-CO"/>
           </a:p>
@@ -3728,7 +3736,7 @@
           <a:p>
             <a:fld id="{C214C790-AC43-4046-BAB7-879940BCF0AB}" type="datetimeFigureOut">
               <a:rPr lang="es-CO" smtClean="0"/>
-              <a:t>3/02/2019</a:t>
+              <a:t>6/02/2019</a:t>
             </a:fld>
             <a:endParaRPr lang="es-CO"/>
           </a:p>
@@ -4107,7 +4115,7 @@
           <a:p>
             <a:fld id="{C214C790-AC43-4046-BAB7-879940BCF0AB}" type="datetimeFigureOut">
               <a:rPr lang="es-CO" smtClean="0"/>
-              <a:t>3/02/2019</a:t>
+              <a:t>6/02/2019</a:t>
             </a:fld>
             <a:endParaRPr lang="es-CO"/>
           </a:p>
@@ -4225,7 +4233,7 @@
           <a:p>
             <a:fld id="{C214C790-AC43-4046-BAB7-879940BCF0AB}" type="datetimeFigureOut">
               <a:rPr lang="es-CO" smtClean="0"/>
-              <a:t>3/02/2019</a:t>
+              <a:t>6/02/2019</a:t>
             </a:fld>
             <a:endParaRPr lang="es-CO"/>
           </a:p>
@@ -4396,7 +4404,7 @@
           <a:p>
             <a:fld id="{C214C790-AC43-4046-BAB7-879940BCF0AB}" type="datetimeFigureOut">
               <a:rPr lang="es-CO" smtClean="0"/>
-              <a:t>3/02/2019</a:t>
+              <a:t>6/02/2019</a:t>
             </a:fld>
             <a:endParaRPr lang="es-CO"/>
           </a:p>
@@ -4750,7 +4758,7 @@
           <a:p>
             <a:fld id="{C214C790-AC43-4046-BAB7-879940BCF0AB}" type="datetimeFigureOut">
               <a:rPr lang="es-CO" smtClean="0"/>
-              <a:t>3/02/2019</a:t>
+              <a:t>6/02/2019</a:t>
             </a:fld>
             <a:endParaRPr lang="es-CO"/>
           </a:p>
@@ -5127,7 +5135,7 @@
           <a:p>
             <a:fld id="{C214C790-AC43-4046-BAB7-879940BCF0AB}" type="datetimeFigureOut">
               <a:rPr lang="es-CO" smtClean="0"/>
-              <a:t>3/02/2019</a:t>
+              <a:t>6/02/2019</a:t>
             </a:fld>
             <a:endParaRPr lang="es-CO"/>
           </a:p>
@@ -5414,7 +5422,7 @@
           <a:p>
             <a:fld id="{C214C790-AC43-4046-BAB7-879940BCF0AB}" type="datetimeFigureOut">
               <a:rPr lang="es-CO" smtClean="0"/>
-              <a:t>3/02/2019</a:t>
+              <a:t>6/02/2019</a:t>
             </a:fld>
             <a:endParaRPr lang="es-CO"/>
           </a:p>
@@ -28614,6 +28622,922 @@
           <a:lstStyle/>
           <a:p>
             <a:r>
+              <a:rPr lang="es-ES" dirty="0" smtClean="0"/>
+              <a:t>Transferencia de archivos</a:t>
+            </a:r>
+            <a:endParaRPr lang="es-CO" dirty="0"/>
+          </a:p>
+        </p:txBody>
+      </p:sp>
+      <p:sp>
+        <p:nvSpPr>
+          <p:cNvPr id="3" name="Marcador de contenido 2"/>
+          <p:cNvSpPr>
+            <a:spLocks noGrp="1"/>
+          </p:cNvSpPr>
+          <p:nvPr>
+            <p:ph idx="1"/>
+          </p:nvPr>
+        </p:nvSpPr>
+        <p:spPr/>
+        <p:txBody>
+          <a:bodyPr/>
+          <a:lstStyle/>
+          <a:p>
+            <a:r>
+              <a:rPr lang="es-ES" dirty="0" smtClean="0"/>
+              <a:t>Para la transferencia de archivos necesita</a:t>
+            </a:r>
+          </a:p>
+          <a:p>
+            <a:pPr marL="0" indent="0">
+              <a:buNone/>
+            </a:pPr>
+            <a:endParaRPr lang="es-CO" dirty="0"/>
+          </a:p>
+        </p:txBody>
+      </p:sp>
+      <p:sp>
+        <p:nvSpPr>
+          <p:cNvPr id="4" name="Rectángulo 3"/>
+          <p:cNvSpPr/>
+          <p:nvPr/>
+        </p:nvSpPr>
+        <p:spPr>
+          <a:xfrm>
+            <a:off x="2477729" y="2979174"/>
+            <a:ext cx="2241755" cy="2615381"/>
+          </a:xfrm>
+          <a:prstGeom prst="rect">
+            <a:avLst/>
+          </a:prstGeom>
+          <a:solidFill>
+            <a:schemeClr val="bg1">
+              <a:lumMod val="95000"/>
+            </a:schemeClr>
+          </a:solidFill>
+          <a:ln>
+            <a:solidFill>
+              <a:schemeClr val="tx1"/>
+            </a:solidFill>
+          </a:ln>
+        </p:spPr>
+        <p:style>
+          <a:lnRef idx="2">
+            <a:schemeClr val="accent1">
+              <a:shade val="50000"/>
+            </a:schemeClr>
+          </a:lnRef>
+          <a:fillRef idx="1">
+            <a:schemeClr val="accent1"/>
+          </a:fillRef>
+          <a:effectRef idx="0">
+            <a:schemeClr val="accent1"/>
+          </a:effectRef>
+          <a:fontRef idx="minor">
+            <a:schemeClr val="lt1"/>
+          </a:fontRef>
+        </p:style>
+        <p:txBody>
+          <a:bodyPr rtlCol="0" anchor="ctr"/>
+          <a:lstStyle/>
+          <a:p>
+            <a:pPr algn="ctr"/>
+            <a:r>
+              <a:rPr lang="es-ES" dirty="0" smtClean="0">
+                <a:solidFill>
+                  <a:schemeClr val="tx1"/>
+                </a:solidFill>
+              </a:rPr>
+              <a:t>A</a:t>
+            </a:r>
+          </a:p>
+          <a:p>
+            <a:pPr algn="ctr"/>
+            <a:endParaRPr lang="es-ES" dirty="0">
+              <a:solidFill>
+                <a:schemeClr val="tx1"/>
+              </a:solidFill>
+            </a:endParaRPr>
+          </a:p>
+          <a:p>
+            <a:pPr algn="ctr"/>
+            <a:endParaRPr lang="es-ES" dirty="0" smtClean="0">
+              <a:solidFill>
+                <a:schemeClr val="tx1"/>
+              </a:solidFill>
+            </a:endParaRPr>
+          </a:p>
+          <a:p>
+            <a:pPr algn="ctr"/>
+            <a:endParaRPr lang="es-ES" dirty="0">
+              <a:solidFill>
+                <a:schemeClr val="tx1"/>
+              </a:solidFill>
+            </a:endParaRPr>
+          </a:p>
+          <a:p>
+            <a:pPr algn="ctr"/>
+            <a:endParaRPr lang="es-ES" dirty="0" smtClean="0">
+              <a:solidFill>
+                <a:schemeClr val="tx1"/>
+              </a:solidFill>
+            </a:endParaRPr>
+          </a:p>
+          <a:p>
+            <a:pPr algn="ctr"/>
+            <a:endParaRPr lang="es-ES" dirty="0">
+              <a:solidFill>
+                <a:schemeClr val="tx1"/>
+              </a:solidFill>
+            </a:endParaRPr>
+          </a:p>
+          <a:p>
+            <a:pPr algn="ctr"/>
+            <a:endParaRPr lang="es-ES" dirty="0" smtClean="0">
+              <a:solidFill>
+                <a:schemeClr val="tx1"/>
+              </a:solidFill>
+            </a:endParaRPr>
+          </a:p>
+          <a:p>
+            <a:pPr algn="ctr"/>
+            <a:endParaRPr lang="es-ES" dirty="0">
+              <a:solidFill>
+                <a:schemeClr val="tx1"/>
+              </a:solidFill>
+            </a:endParaRPr>
+          </a:p>
+          <a:p>
+            <a:pPr algn="ctr"/>
+            <a:endParaRPr lang="es-CO" dirty="0">
+              <a:solidFill>
+                <a:schemeClr val="tx1"/>
+              </a:solidFill>
+            </a:endParaRPr>
+          </a:p>
+        </p:txBody>
+      </p:sp>
+      <p:sp>
+        <p:nvSpPr>
+          <p:cNvPr id="5" name="Rectángulo 4"/>
+          <p:cNvSpPr/>
+          <p:nvPr/>
+        </p:nvSpPr>
+        <p:spPr>
+          <a:xfrm>
+            <a:off x="7428271" y="2979174"/>
+            <a:ext cx="2241755" cy="2615381"/>
+          </a:xfrm>
+          <a:prstGeom prst="rect">
+            <a:avLst/>
+          </a:prstGeom>
+          <a:solidFill>
+            <a:schemeClr val="bg1">
+              <a:lumMod val="95000"/>
+            </a:schemeClr>
+          </a:solidFill>
+          <a:ln>
+            <a:solidFill>
+              <a:schemeClr val="tx1"/>
+            </a:solidFill>
+          </a:ln>
+        </p:spPr>
+        <p:style>
+          <a:lnRef idx="2">
+            <a:schemeClr val="accent1">
+              <a:shade val="50000"/>
+            </a:schemeClr>
+          </a:lnRef>
+          <a:fillRef idx="1">
+            <a:schemeClr val="accent1"/>
+          </a:fillRef>
+          <a:effectRef idx="0">
+            <a:schemeClr val="accent1"/>
+          </a:effectRef>
+          <a:fontRef idx="minor">
+            <a:schemeClr val="lt1"/>
+          </a:fontRef>
+        </p:style>
+        <p:txBody>
+          <a:bodyPr rtlCol="0" anchor="ctr"/>
+          <a:lstStyle/>
+          <a:p>
+            <a:pPr algn="ctr"/>
+            <a:r>
+              <a:rPr lang="es-ES" dirty="0" smtClean="0">
+                <a:solidFill>
+                  <a:schemeClr val="tx1"/>
+                </a:solidFill>
+              </a:rPr>
+              <a:t>B</a:t>
+            </a:r>
+          </a:p>
+          <a:p>
+            <a:pPr algn="ctr"/>
+            <a:endParaRPr lang="es-ES" dirty="0">
+              <a:solidFill>
+                <a:schemeClr val="tx1"/>
+              </a:solidFill>
+            </a:endParaRPr>
+          </a:p>
+          <a:p>
+            <a:pPr algn="ctr"/>
+            <a:endParaRPr lang="es-ES" dirty="0" smtClean="0">
+              <a:solidFill>
+                <a:schemeClr val="tx1"/>
+              </a:solidFill>
+            </a:endParaRPr>
+          </a:p>
+          <a:p>
+            <a:pPr algn="ctr"/>
+            <a:endParaRPr lang="es-ES" dirty="0">
+              <a:solidFill>
+                <a:schemeClr val="tx1"/>
+              </a:solidFill>
+            </a:endParaRPr>
+          </a:p>
+          <a:p>
+            <a:pPr algn="ctr"/>
+            <a:endParaRPr lang="es-ES" dirty="0" smtClean="0">
+              <a:solidFill>
+                <a:schemeClr val="tx1"/>
+              </a:solidFill>
+            </a:endParaRPr>
+          </a:p>
+          <a:p>
+            <a:pPr algn="ctr"/>
+            <a:endParaRPr lang="es-ES" dirty="0">
+              <a:solidFill>
+                <a:schemeClr val="tx1"/>
+              </a:solidFill>
+            </a:endParaRPr>
+          </a:p>
+          <a:p>
+            <a:pPr algn="ctr"/>
+            <a:endParaRPr lang="es-ES" dirty="0" smtClean="0">
+              <a:solidFill>
+                <a:schemeClr val="tx1"/>
+              </a:solidFill>
+            </a:endParaRPr>
+          </a:p>
+          <a:p>
+            <a:pPr algn="ctr"/>
+            <a:endParaRPr lang="es-ES" dirty="0">
+              <a:solidFill>
+                <a:schemeClr val="tx1"/>
+              </a:solidFill>
+            </a:endParaRPr>
+          </a:p>
+          <a:p>
+            <a:pPr algn="ctr"/>
+            <a:endParaRPr lang="es-CO" dirty="0">
+              <a:solidFill>
+                <a:schemeClr val="tx1"/>
+              </a:solidFill>
+            </a:endParaRPr>
+          </a:p>
+        </p:txBody>
+      </p:sp>
+      <p:sp>
+        <p:nvSpPr>
+          <p:cNvPr id="6" name="Rectángulo 5"/>
+          <p:cNvSpPr/>
+          <p:nvPr/>
+        </p:nvSpPr>
+        <p:spPr>
+          <a:xfrm rot="16200000">
+            <a:off x="2556388" y="4940329"/>
+            <a:ext cx="639096" cy="304800"/>
+          </a:xfrm>
+          <a:prstGeom prst="rect">
+            <a:avLst/>
+          </a:prstGeom>
+        </p:spPr>
+        <p:style>
+          <a:lnRef idx="2">
+            <a:schemeClr val="accent1">
+              <a:shade val="50000"/>
+            </a:schemeClr>
+          </a:lnRef>
+          <a:fillRef idx="1">
+            <a:schemeClr val="accent1"/>
+          </a:fillRef>
+          <a:effectRef idx="0">
+            <a:schemeClr val="accent1"/>
+          </a:effectRef>
+          <a:fontRef idx="minor">
+            <a:schemeClr val="lt1"/>
+          </a:fontRef>
+        </p:style>
+        <p:txBody>
+          <a:bodyPr rtlCol="0" anchor="ctr"/>
+          <a:lstStyle/>
+          <a:p>
+            <a:pPr algn="ctr"/>
+            <a:r>
+              <a:rPr lang="es-ES" dirty="0" smtClean="0"/>
+              <a:t>FILE</a:t>
+            </a:r>
+            <a:endParaRPr lang="es-CO" dirty="0"/>
+          </a:p>
+        </p:txBody>
+      </p:sp>
+      <p:sp>
+        <p:nvSpPr>
+          <p:cNvPr id="7" name="Rectángulo 6"/>
+          <p:cNvSpPr/>
+          <p:nvPr/>
+        </p:nvSpPr>
+        <p:spPr>
+          <a:xfrm rot="16200000">
+            <a:off x="8952272" y="4940329"/>
+            <a:ext cx="639096" cy="304800"/>
+          </a:xfrm>
+          <a:prstGeom prst="rect">
+            <a:avLst/>
+          </a:prstGeom>
+          <a:ln>
+            <a:prstDash val="dash"/>
+          </a:ln>
+        </p:spPr>
+        <p:style>
+          <a:lnRef idx="2">
+            <a:schemeClr val="accent1">
+              <a:shade val="50000"/>
+            </a:schemeClr>
+          </a:lnRef>
+          <a:fillRef idx="1">
+            <a:schemeClr val="accent1"/>
+          </a:fillRef>
+          <a:effectRef idx="0">
+            <a:schemeClr val="accent1"/>
+          </a:effectRef>
+          <a:fontRef idx="minor">
+            <a:schemeClr val="lt1"/>
+          </a:fontRef>
+        </p:style>
+        <p:txBody>
+          <a:bodyPr rtlCol="0" anchor="ctr"/>
+          <a:lstStyle/>
+          <a:p>
+            <a:pPr algn="ctr"/>
+            <a:r>
+              <a:rPr lang="es-ES" dirty="0" smtClean="0"/>
+              <a:t>FILE</a:t>
+            </a:r>
+            <a:endParaRPr lang="es-CO" dirty="0"/>
+          </a:p>
+        </p:txBody>
+      </p:sp>
+      <p:cxnSp>
+        <p:nvCxnSpPr>
+          <p:cNvPr id="9" name="Conector recto de flecha 8"/>
+          <p:cNvCxnSpPr>
+            <a:stCxn id="4" idx="3"/>
+            <a:endCxn id="11" idx="2"/>
+          </p:cNvCxnSpPr>
+          <p:nvPr/>
+        </p:nvCxnSpPr>
+        <p:spPr>
+          <a:xfrm flipV="1">
+            <a:off x="4719484" y="4286863"/>
+            <a:ext cx="2521974" cy="2"/>
+          </a:xfrm>
+          <a:prstGeom prst="straightConnector1">
+            <a:avLst/>
+          </a:prstGeom>
+          <a:ln>
+            <a:solidFill>
+              <a:schemeClr val="tx1"/>
+            </a:solidFill>
+            <a:tailEnd type="triangle"/>
+          </a:ln>
+        </p:spPr>
+        <p:style>
+          <a:lnRef idx="1">
+            <a:schemeClr val="accent1"/>
+          </a:lnRef>
+          <a:fillRef idx="0">
+            <a:schemeClr val="accent1"/>
+          </a:fillRef>
+          <a:effectRef idx="0">
+            <a:schemeClr val="accent1"/>
+          </a:effectRef>
+          <a:fontRef idx="minor">
+            <a:schemeClr val="tx1"/>
+          </a:fontRef>
+        </p:style>
+      </p:cxnSp>
+      <p:sp>
+        <p:nvSpPr>
+          <p:cNvPr id="10" name="Elipse 9"/>
+          <p:cNvSpPr/>
+          <p:nvPr/>
+        </p:nvSpPr>
+        <p:spPr>
+          <a:xfrm>
+            <a:off x="4537587" y="4104967"/>
+            <a:ext cx="363793" cy="363793"/>
+          </a:xfrm>
+          <a:prstGeom prst="ellipse">
+            <a:avLst/>
+          </a:prstGeom>
+          <a:solidFill>
+            <a:schemeClr val="tx1"/>
+          </a:solidFill>
+          <a:ln>
+            <a:solidFill>
+              <a:schemeClr val="tx1"/>
+            </a:solidFill>
+          </a:ln>
+        </p:spPr>
+        <p:style>
+          <a:lnRef idx="2">
+            <a:schemeClr val="accent1">
+              <a:shade val="50000"/>
+            </a:schemeClr>
+          </a:lnRef>
+          <a:fillRef idx="1">
+            <a:schemeClr val="accent1"/>
+          </a:fillRef>
+          <a:effectRef idx="0">
+            <a:schemeClr val="accent1"/>
+          </a:effectRef>
+          <a:fontRef idx="minor">
+            <a:schemeClr val="lt1"/>
+          </a:fontRef>
+        </p:style>
+        <p:txBody>
+          <a:bodyPr rtlCol="0" anchor="ctr"/>
+          <a:lstStyle/>
+          <a:p>
+            <a:pPr algn="ctr"/>
+            <a:endParaRPr lang="es-CO"/>
+          </a:p>
+        </p:txBody>
+      </p:sp>
+      <p:sp>
+        <p:nvSpPr>
+          <p:cNvPr id="11" name="Elipse 10"/>
+          <p:cNvSpPr/>
+          <p:nvPr/>
+        </p:nvSpPr>
+        <p:spPr>
+          <a:xfrm>
+            <a:off x="7241458" y="4104966"/>
+            <a:ext cx="363793" cy="363793"/>
+          </a:xfrm>
+          <a:prstGeom prst="ellipse">
+            <a:avLst/>
+          </a:prstGeom>
+          <a:solidFill>
+            <a:schemeClr val="tx1"/>
+          </a:solidFill>
+          <a:ln>
+            <a:solidFill>
+              <a:schemeClr val="tx1"/>
+            </a:solidFill>
+          </a:ln>
+        </p:spPr>
+        <p:style>
+          <a:lnRef idx="2">
+            <a:schemeClr val="accent1">
+              <a:shade val="50000"/>
+            </a:schemeClr>
+          </a:lnRef>
+          <a:fillRef idx="1">
+            <a:schemeClr val="accent1"/>
+          </a:fillRef>
+          <a:effectRef idx="0">
+            <a:schemeClr val="accent1"/>
+          </a:effectRef>
+          <a:fontRef idx="minor">
+            <a:schemeClr val="lt1"/>
+          </a:fontRef>
+        </p:style>
+        <p:txBody>
+          <a:bodyPr rtlCol="0" anchor="ctr"/>
+          <a:lstStyle/>
+          <a:p>
+            <a:pPr algn="ctr"/>
+            <a:endParaRPr lang="es-CO"/>
+          </a:p>
+        </p:txBody>
+      </p:sp>
+      <p:sp>
+        <p:nvSpPr>
+          <p:cNvPr id="13" name="CuadroTexto 12"/>
+          <p:cNvSpPr txBox="1"/>
+          <p:nvPr/>
+        </p:nvSpPr>
+        <p:spPr>
+          <a:xfrm>
+            <a:off x="2455608" y="3615876"/>
+            <a:ext cx="1543664" cy="369332"/>
+          </a:xfrm>
+          <a:prstGeom prst="rect">
+            <a:avLst/>
+          </a:prstGeom>
+          <a:noFill/>
+        </p:spPr>
+        <p:txBody>
+          <a:bodyPr wrap="square" rtlCol="0">
+            <a:spAutoFit/>
+          </a:bodyPr>
+          <a:lstStyle/>
+          <a:p>
+            <a:r>
+              <a:rPr lang="es-ES" dirty="0" err="1" smtClean="0"/>
+              <a:t>InputStream</a:t>
+            </a:r>
+            <a:endParaRPr lang="es-CO" dirty="0"/>
+          </a:p>
+        </p:txBody>
+      </p:sp>
+      <p:sp>
+        <p:nvSpPr>
+          <p:cNvPr id="14" name="CuadroTexto 13"/>
+          <p:cNvSpPr txBox="1"/>
+          <p:nvPr/>
+        </p:nvSpPr>
+        <p:spPr>
+          <a:xfrm>
+            <a:off x="4689496" y="3507657"/>
+            <a:ext cx="1543664" cy="369332"/>
+          </a:xfrm>
+          <a:prstGeom prst="rect">
+            <a:avLst/>
+          </a:prstGeom>
+          <a:noFill/>
+        </p:spPr>
+        <p:txBody>
+          <a:bodyPr wrap="square" rtlCol="0">
+            <a:spAutoFit/>
+          </a:bodyPr>
+          <a:lstStyle/>
+          <a:p>
+            <a:r>
+              <a:rPr lang="es-ES" dirty="0" err="1" smtClean="0"/>
+              <a:t>OutputStream</a:t>
+            </a:r>
+            <a:endParaRPr lang="es-CO" dirty="0"/>
+          </a:p>
+        </p:txBody>
+      </p:sp>
+      <p:sp>
+        <p:nvSpPr>
+          <p:cNvPr id="15" name="CuadroTexto 14"/>
+          <p:cNvSpPr txBox="1"/>
+          <p:nvPr/>
+        </p:nvSpPr>
+        <p:spPr>
+          <a:xfrm>
+            <a:off x="6096491" y="4392467"/>
+            <a:ext cx="1543664" cy="369332"/>
+          </a:xfrm>
+          <a:prstGeom prst="rect">
+            <a:avLst/>
+          </a:prstGeom>
+          <a:noFill/>
+        </p:spPr>
+        <p:txBody>
+          <a:bodyPr wrap="square" rtlCol="0">
+            <a:spAutoFit/>
+          </a:bodyPr>
+          <a:lstStyle/>
+          <a:p>
+            <a:r>
+              <a:rPr lang="es-ES" dirty="0" err="1" smtClean="0"/>
+              <a:t>InputStream</a:t>
+            </a:r>
+            <a:endParaRPr lang="es-CO" dirty="0"/>
+          </a:p>
+        </p:txBody>
+      </p:sp>
+      <p:sp>
+        <p:nvSpPr>
+          <p:cNvPr id="16" name="CuadroTexto 15"/>
+          <p:cNvSpPr txBox="1"/>
+          <p:nvPr/>
+        </p:nvSpPr>
+        <p:spPr>
+          <a:xfrm>
+            <a:off x="8170115" y="3496779"/>
+            <a:ext cx="1543664" cy="369332"/>
+          </a:xfrm>
+          <a:prstGeom prst="rect">
+            <a:avLst/>
+          </a:prstGeom>
+          <a:noFill/>
+        </p:spPr>
+        <p:txBody>
+          <a:bodyPr wrap="square" rtlCol="0">
+            <a:spAutoFit/>
+          </a:bodyPr>
+          <a:lstStyle/>
+          <a:p>
+            <a:r>
+              <a:rPr lang="es-ES" dirty="0" err="1" smtClean="0"/>
+              <a:t>OutputStream</a:t>
+            </a:r>
+            <a:endParaRPr lang="es-CO" dirty="0"/>
+          </a:p>
+        </p:txBody>
+      </p:sp>
+      <p:sp>
+        <p:nvSpPr>
+          <p:cNvPr id="17" name="Elipse 16"/>
+          <p:cNvSpPr/>
+          <p:nvPr/>
+        </p:nvSpPr>
+        <p:spPr>
+          <a:xfrm>
+            <a:off x="2688140" y="4104965"/>
+            <a:ext cx="363793" cy="363793"/>
+          </a:xfrm>
+          <a:prstGeom prst="ellipse">
+            <a:avLst/>
+          </a:prstGeom>
+          <a:solidFill>
+            <a:schemeClr val="tx1"/>
+          </a:solidFill>
+          <a:ln>
+            <a:solidFill>
+              <a:schemeClr val="tx1"/>
+            </a:solidFill>
+          </a:ln>
+        </p:spPr>
+        <p:style>
+          <a:lnRef idx="2">
+            <a:schemeClr val="accent1">
+              <a:shade val="50000"/>
+            </a:schemeClr>
+          </a:lnRef>
+          <a:fillRef idx="1">
+            <a:schemeClr val="accent1"/>
+          </a:fillRef>
+          <a:effectRef idx="0">
+            <a:schemeClr val="accent1"/>
+          </a:effectRef>
+          <a:fontRef idx="minor">
+            <a:schemeClr val="lt1"/>
+          </a:fontRef>
+        </p:style>
+        <p:txBody>
+          <a:bodyPr rtlCol="0" anchor="ctr"/>
+          <a:lstStyle/>
+          <a:p>
+            <a:pPr algn="ctr"/>
+            <a:endParaRPr lang="es-CO"/>
+          </a:p>
+        </p:txBody>
+      </p:sp>
+      <p:sp>
+        <p:nvSpPr>
+          <p:cNvPr id="18" name="Elipse 17"/>
+          <p:cNvSpPr/>
+          <p:nvPr/>
+        </p:nvSpPr>
+        <p:spPr>
+          <a:xfrm>
+            <a:off x="9089923" y="4104964"/>
+            <a:ext cx="363793" cy="363793"/>
+          </a:xfrm>
+          <a:prstGeom prst="ellipse">
+            <a:avLst/>
+          </a:prstGeom>
+          <a:solidFill>
+            <a:schemeClr val="tx1"/>
+          </a:solidFill>
+          <a:ln>
+            <a:solidFill>
+              <a:schemeClr val="tx1"/>
+            </a:solidFill>
+          </a:ln>
+        </p:spPr>
+        <p:style>
+          <a:lnRef idx="2">
+            <a:schemeClr val="accent1">
+              <a:shade val="50000"/>
+            </a:schemeClr>
+          </a:lnRef>
+          <a:fillRef idx="1">
+            <a:schemeClr val="accent1"/>
+          </a:fillRef>
+          <a:effectRef idx="0">
+            <a:schemeClr val="accent1"/>
+          </a:effectRef>
+          <a:fontRef idx="minor">
+            <a:schemeClr val="lt1"/>
+          </a:fontRef>
+        </p:style>
+        <p:txBody>
+          <a:bodyPr rtlCol="0" anchor="ctr"/>
+          <a:lstStyle/>
+          <a:p>
+            <a:pPr algn="ctr"/>
+            <a:endParaRPr lang="es-CO"/>
+          </a:p>
+        </p:txBody>
+      </p:sp>
+      <p:cxnSp>
+        <p:nvCxnSpPr>
+          <p:cNvPr id="20" name="Conector recto de flecha 19"/>
+          <p:cNvCxnSpPr>
+            <a:stCxn id="17" idx="6"/>
+          </p:cNvCxnSpPr>
+          <p:nvPr/>
+        </p:nvCxnSpPr>
+        <p:spPr>
+          <a:xfrm flipV="1">
+            <a:off x="3051933" y="4286861"/>
+            <a:ext cx="1480738" cy="1"/>
+          </a:xfrm>
+          <a:prstGeom prst="straightConnector1">
+            <a:avLst/>
+          </a:prstGeom>
+          <a:ln>
+            <a:solidFill>
+              <a:schemeClr val="tx1"/>
+            </a:solidFill>
+            <a:tailEnd type="triangle"/>
+          </a:ln>
+        </p:spPr>
+        <p:style>
+          <a:lnRef idx="1">
+            <a:schemeClr val="accent1"/>
+          </a:lnRef>
+          <a:fillRef idx="0">
+            <a:schemeClr val="accent1"/>
+          </a:fillRef>
+          <a:effectRef idx="0">
+            <a:schemeClr val="accent1"/>
+          </a:effectRef>
+          <a:fontRef idx="minor">
+            <a:schemeClr val="tx1"/>
+          </a:fontRef>
+        </p:style>
+      </p:cxnSp>
+      <p:cxnSp>
+        <p:nvCxnSpPr>
+          <p:cNvPr id="22" name="Conector recto de flecha 21"/>
+          <p:cNvCxnSpPr>
+            <a:stCxn id="6" idx="3"/>
+            <a:endCxn id="17" idx="4"/>
+          </p:cNvCxnSpPr>
+          <p:nvPr/>
+        </p:nvCxnSpPr>
+        <p:spPr>
+          <a:xfrm flipH="1" flipV="1">
+            <a:off x="2870037" y="4468758"/>
+            <a:ext cx="5899" cy="304423"/>
+          </a:xfrm>
+          <a:prstGeom prst="straightConnector1">
+            <a:avLst/>
+          </a:prstGeom>
+          <a:ln>
+            <a:solidFill>
+              <a:schemeClr val="tx1"/>
+            </a:solidFill>
+            <a:tailEnd type="triangle"/>
+          </a:ln>
+        </p:spPr>
+        <p:style>
+          <a:lnRef idx="1">
+            <a:schemeClr val="accent1"/>
+          </a:lnRef>
+          <a:fillRef idx="0">
+            <a:schemeClr val="accent1"/>
+          </a:fillRef>
+          <a:effectRef idx="0">
+            <a:schemeClr val="accent1"/>
+          </a:effectRef>
+          <a:fontRef idx="minor">
+            <a:schemeClr val="tx1"/>
+          </a:fontRef>
+        </p:style>
+      </p:cxnSp>
+      <p:cxnSp>
+        <p:nvCxnSpPr>
+          <p:cNvPr id="23" name="Conector recto de flecha 22"/>
+          <p:cNvCxnSpPr/>
+          <p:nvPr/>
+        </p:nvCxnSpPr>
+        <p:spPr>
+          <a:xfrm flipV="1">
+            <a:off x="7604269" y="4301603"/>
+            <a:ext cx="1480738" cy="1"/>
+          </a:xfrm>
+          <a:prstGeom prst="straightConnector1">
+            <a:avLst/>
+          </a:prstGeom>
+          <a:ln>
+            <a:solidFill>
+              <a:schemeClr val="tx1"/>
+            </a:solidFill>
+            <a:tailEnd type="triangle"/>
+          </a:ln>
+        </p:spPr>
+        <p:style>
+          <a:lnRef idx="1">
+            <a:schemeClr val="accent1"/>
+          </a:lnRef>
+          <a:fillRef idx="0">
+            <a:schemeClr val="accent1"/>
+          </a:fillRef>
+          <a:effectRef idx="0">
+            <a:schemeClr val="accent1"/>
+          </a:effectRef>
+          <a:fontRef idx="minor">
+            <a:schemeClr val="tx1"/>
+          </a:fontRef>
+        </p:style>
+      </p:cxnSp>
+      <p:cxnSp>
+        <p:nvCxnSpPr>
+          <p:cNvPr id="24" name="Conector recto de flecha 23"/>
+          <p:cNvCxnSpPr>
+            <a:endCxn id="7" idx="3"/>
+          </p:cNvCxnSpPr>
+          <p:nvPr/>
+        </p:nvCxnSpPr>
+        <p:spPr>
+          <a:xfrm>
+            <a:off x="9266903" y="4468758"/>
+            <a:ext cx="4917" cy="304423"/>
+          </a:xfrm>
+          <a:prstGeom prst="straightConnector1">
+            <a:avLst/>
+          </a:prstGeom>
+          <a:ln>
+            <a:solidFill>
+              <a:schemeClr val="tx1"/>
+            </a:solidFill>
+            <a:tailEnd type="triangle"/>
+          </a:ln>
+        </p:spPr>
+        <p:style>
+          <a:lnRef idx="1">
+            <a:schemeClr val="accent1"/>
+          </a:lnRef>
+          <a:fillRef idx="0">
+            <a:schemeClr val="accent1"/>
+          </a:fillRef>
+          <a:effectRef idx="0">
+            <a:schemeClr val="accent1"/>
+          </a:effectRef>
+          <a:fontRef idx="minor">
+            <a:schemeClr val="tx1"/>
+          </a:fontRef>
+        </p:style>
+      </p:cxnSp>
+    </p:spTree>
+    <p:extLst>
+      <p:ext uri="{BB962C8B-B14F-4D97-AF65-F5344CB8AC3E}">
+        <p14:creationId xmlns:p14="http://schemas.microsoft.com/office/powerpoint/2010/main" val="1854274928"/>
+      </p:ext>
+    </p:extLst>
+  </p:cSld>
+  <p:clrMapOvr>
+    <a:masterClrMapping/>
+  </p:clrMapOvr>
+</p:sld>
+</file>
+
+<file path=ppt/slides/slide48.xml><?xml version="1.0" encoding="utf-8"?>
+<p:sld xmlns:a="http://schemas.openxmlformats.org/drawingml/2006/main" xmlns:r="http://schemas.openxmlformats.org/officeDocument/2006/relationships" xmlns:p="http://schemas.openxmlformats.org/presentationml/2006/main">
+  <p:cSld>
+    <p:spTree>
+      <p:nvGrpSpPr>
+        <p:cNvPr id="1" name=""/>
+        <p:cNvGrpSpPr/>
+        <p:nvPr/>
+      </p:nvGrpSpPr>
+      <p:grpSpPr>
+        <a:xfrm>
+          <a:off x="0" y="0"/>
+          <a:ext cx="0" cy="0"/>
+          <a:chOff x="0" y="0"/>
+          <a:chExt cx="0" cy="0"/>
+        </a:xfrm>
+      </p:grpSpPr>
+      <p:sp>
+        <p:nvSpPr>
+          <p:cNvPr id="2" name="Título 1"/>
+          <p:cNvSpPr>
+            <a:spLocks noGrp="1"/>
+          </p:cNvSpPr>
+          <p:nvPr>
+            <p:ph type="title"/>
+          </p:nvPr>
+        </p:nvSpPr>
+        <p:spPr/>
+        <p:txBody>
+          <a:bodyPr/>
+          <a:lstStyle/>
+          <a:p>
+            <a:r>
               <a:rPr lang="es-ES" dirty="0" err="1" smtClean="0"/>
               <a:t>Singleton</a:t>
             </a:r>
@@ -28716,6 +29640,157 @@
     <p:extLst>
       <p:ext uri="{BB962C8B-B14F-4D97-AF65-F5344CB8AC3E}">
         <p14:creationId xmlns:p14="http://schemas.microsoft.com/office/powerpoint/2010/main" val="3750862873"/>
+      </p:ext>
+    </p:extLst>
+  </p:cSld>
+  <p:clrMapOvr>
+    <a:masterClrMapping/>
+  </p:clrMapOvr>
+</p:sld>
+</file>
+
+<file path=ppt/slides/slide49.xml><?xml version="1.0" encoding="utf-8"?>
+<p:sld xmlns:a="http://schemas.openxmlformats.org/drawingml/2006/main" xmlns:r="http://schemas.openxmlformats.org/officeDocument/2006/relationships" xmlns:p="http://schemas.openxmlformats.org/presentationml/2006/main">
+  <p:cSld>
+    <p:spTree>
+      <p:nvGrpSpPr>
+        <p:cNvPr id="1" name=""/>
+        <p:cNvGrpSpPr/>
+        <p:nvPr/>
+      </p:nvGrpSpPr>
+      <p:grpSpPr>
+        <a:xfrm>
+          <a:off x="0" y="0"/>
+          <a:ext cx="0" cy="0"/>
+          <a:chOff x="0" y="0"/>
+          <a:chExt cx="0" cy="0"/>
+        </a:xfrm>
+      </p:grpSpPr>
+      <p:sp>
+        <p:nvSpPr>
+          <p:cNvPr id="2" name="Título 1"/>
+          <p:cNvSpPr>
+            <a:spLocks noGrp="1"/>
+          </p:cNvSpPr>
+          <p:nvPr>
+            <p:ph type="title"/>
+          </p:nvPr>
+        </p:nvSpPr>
+        <p:spPr/>
+        <p:txBody>
+          <a:bodyPr/>
+          <a:lstStyle/>
+          <a:p>
+            <a:r>
+              <a:rPr lang="es-ES" dirty="0" smtClean="0"/>
+              <a:t>Ejercicio</a:t>
+            </a:r>
+            <a:endParaRPr lang="es-CO" dirty="0"/>
+          </a:p>
+        </p:txBody>
+      </p:sp>
+      <p:sp>
+        <p:nvSpPr>
+          <p:cNvPr id="3" name="Marcador de contenido 2"/>
+          <p:cNvSpPr>
+            <a:spLocks noGrp="1"/>
+          </p:cNvSpPr>
+          <p:nvPr>
+            <p:ph idx="1"/>
+          </p:nvPr>
+        </p:nvSpPr>
+        <p:spPr>
+          <a:xfrm>
+            <a:off x="4148230" y="2625978"/>
+            <a:ext cx="6313293" cy="2526127"/>
+          </a:xfrm>
+        </p:spPr>
+        <p:txBody>
+          <a:bodyPr/>
+          <a:lstStyle/>
+          <a:p>
+            <a:r>
+              <a:rPr lang="es-ES" dirty="0" smtClean="0"/>
+              <a:t>Implemente la conexión </a:t>
+            </a:r>
+            <a:r>
+              <a:rPr lang="es-ES" dirty="0" err="1" smtClean="0"/>
+              <a:t>Singleton</a:t>
+            </a:r>
+            <a:r>
+              <a:rPr lang="es-ES" dirty="0" smtClean="0"/>
+              <a:t> del cliente. </a:t>
+            </a:r>
+          </a:p>
+          <a:p>
+            <a:endParaRPr lang="es-ES" dirty="0" smtClean="0"/>
+          </a:p>
+          <a:p>
+            <a:r>
+              <a:rPr lang="es-ES" dirty="0" smtClean="0"/>
+              <a:t>Pruebe el envío de mensajes usando el servidor </a:t>
+            </a:r>
+            <a:r>
+              <a:rPr lang="es-ES" dirty="0" err="1" smtClean="0"/>
+              <a:t>Singleton</a:t>
+            </a:r>
+            <a:r>
+              <a:rPr lang="es-ES" dirty="0" smtClean="0"/>
+              <a:t> y el cliente </a:t>
+            </a:r>
+            <a:r>
+              <a:rPr lang="es-ES" dirty="0" err="1" smtClean="0"/>
+              <a:t>Singleton</a:t>
+            </a:r>
+            <a:endParaRPr lang="es-CO" dirty="0"/>
+          </a:p>
+        </p:txBody>
+      </p:sp>
+      <p:pic>
+        <p:nvPicPr>
+          <p:cNvPr id="1026" name="Picture 2" descr="Resultado de imagen para homework png icon"/>
+          <p:cNvPicPr>
+            <a:picLocks noChangeAspect="1" noChangeArrowheads="1"/>
+          </p:cNvPicPr>
+          <p:nvPr/>
+        </p:nvPicPr>
+        <p:blipFill>
+          <a:blip r:embed="rId2">
+            <a:extLst>
+              <a:ext uri="{28A0092B-C50C-407E-A947-70E740481C1C}">
+                <a14:useLocalDpi xmlns:a14="http://schemas.microsoft.com/office/drawing/2010/main" val="0"/>
+              </a:ext>
+            </a:extLst>
+          </a:blip>
+          <a:srcRect/>
+          <a:stretch>
+            <a:fillRect/>
+          </a:stretch>
+        </p:blipFill>
+        <p:spPr bwMode="auto">
+          <a:xfrm>
+            <a:off x="914400" y="2084439"/>
+            <a:ext cx="3067665" cy="3067666"/>
+          </a:xfrm>
+          <a:prstGeom prst="rect">
+            <a:avLst/>
+          </a:prstGeom>
+          <a:noFill/>
+          <a:extLst>
+            <a:ext uri="{909E8E84-426E-40DD-AFC4-6F175D3DCCD1}">
+              <a14:hiddenFill xmlns:a14="http://schemas.microsoft.com/office/drawing/2010/main">
+                <a:solidFill>
+                  <a:srgbClr val="FFFFFF"/>
+                </a:solidFill>
+              </a14:hiddenFill>
+            </a:ext>
+          </a:extLst>
+        </p:spPr>
+      </p:pic>
+    </p:spTree>
+    <p:extLst>
+      <p:ext uri="{BB962C8B-B14F-4D97-AF65-F5344CB8AC3E}">
+        <p14:creationId xmlns:p14="http://schemas.microsoft.com/office/powerpoint/2010/main" val="1926768558"/>
       </p:ext>
     </p:extLst>
   </p:cSld>
@@ -29384,6 +30459,535 @@
     <p:extLst>
       <p:ext uri="{BB962C8B-B14F-4D97-AF65-F5344CB8AC3E}">
         <p14:creationId xmlns:p14="http://schemas.microsoft.com/office/powerpoint/2010/main" val="3779879734"/>
+      </p:ext>
+    </p:extLst>
+  </p:cSld>
+  <p:clrMapOvr>
+    <a:masterClrMapping/>
+  </p:clrMapOvr>
+</p:sld>
+</file>
+
+<file path=ppt/slides/slide50.xml><?xml version="1.0" encoding="utf-8"?>
+<p:sld xmlns:a="http://schemas.openxmlformats.org/drawingml/2006/main" xmlns:r="http://schemas.openxmlformats.org/officeDocument/2006/relationships" xmlns:p="http://schemas.openxmlformats.org/presentationml/2006/main">
+  <p:cSld>
+    <p:spTree>
+      <p:nvGrpSpPr>
+        <p:cNvPr id="1" name=""/>
+        <p:cNvGrpSpPr/>
+        <p:nvPr/>
+      </p:nvGrpSpPr>
+      <p:grpSpPr>
+        <a:xfrm>
+          <a:off x="0" y="0"/>
+          <a:ext cx="0" cy="0"/>
+          <a:chOff x="0" y="0"/>
+          <a:chExt cx="0" cy="0"/>
+        </a:xfrm>
+      </p:grpSpPr>
+      <p:sp>
+        <p:nvSpPr>
+          <p:cNvPr id="2" name="Título 1"/>
+          <p:cNvSpPr>
+            <a:spLocks noGrp="1"/>
+          </p:cNvSpPr>
+          <p:nvPr>
+            <p:ph type="title"/>
+          </p:nvPr>
+        </p:nvSpPr>
+        <p:spPr/>
+        <p:txBody>
+          <a:bodyPr/>
+          <a:lstStyle/>
+          <a:p>
+            <a:r>
+              <a:rPr lang="es-ES" dirty="0" smtClean="0"/>
+              <a:t>Conexiones asíncronas</a:t>
+            </a:r>
+            <a:endParaRPr lang="es-CO" dirty="0"/>
+          </a:p>
+        </p:txBody>
+      </p:sp>
+      <p:sp>
+        <p:nvSpPr>
+          <p:cNvPr id="3" name="Marcador de contenido 2"/>
+          <p:cNvSpPr>
+            <a:spLocks noGrp="1"/>
+          </p:cNvSpPr>
+          <p:nvPr>
+            <p:ph idx="1"/>
+          </p:nvPr>
+        </p:nvSpPr>
+        <p:spPr>
+          <a:xfrm>
+            <a:off x="1097280" y="1845734"/>
+            <a:ext cx="5451004" cy="4023360"/>
+          </a:xfrm>
+        </p:spPr>
+        <p:txBody>
+          <a:bodyPr/>
+          <a:lstStyle/>
+          <a:p>
+            <a:r>
+              <a:rPr lang="es-ES" smtClean="0"/>
+              <a:t>Una conexión asíncrona implica que hay un hilo de </a:t>
+            </a:r>
+            <a:r>
+              <a:rPr lang="es-ES" b="1" smtClean="0"/>
+              <a:t>ENVÍO</a:t>
+            </a:r>
+            <a:r>
+              <a:rPr lang="es-ES" smtClean="0"/>
+              <a:t> y otro hilo de </a:t>
+            </a:r>
+            <a:r>
+              <a:rPr lang="es-ES" b="1" smtClean="0"/>
+              <a:t>RECEPCIÓN</a:t>
+            </a:r>
+            <a:r>
+              <a:rPr lang="es-ES" smtClean="0"/>
+              <a:t>.</a:t>
+            </a:r>
+          </a:p>
+          <a:p>
+            <a:r>
+              <a:rPr lang="es-ES" smtClean="0"/>
+              <a:t>Ambos hilos deben surgir en el momento que ocurre el </a:t>
+            </a:r>
+            <a:r>
+              <a:rPr lang="es-ES" b="1" smtClean="0"/>
+              <a:t>HANDSHAKE</a:t>
+            </a:r>
+            <a:r>
+              <a:rPr lang="es-ES" smtClean="0"/>
+              <a:t>.</a:t>
+            </a:r>
+            <a:endParaRPr lang="es-ES" u="sng" smtClean="0"/>
+          </a:p>
+          <a:p>
+            <a:r>
+              <a:rPr lang="es-ES" smtClean="0"/>
+              <a:t>La clase Singleton de conexión debe poder dirigir y obtener información hacia los dos hilos de recepción y emisión.</a:t>
+            </a:r>
+            <a:endParaRPr lang="es-ES" u="sng" smtClean="0"/>
+          </a:p>
+          <a:p>
+            <a:r>
+              <a:rPr lang="es-ES" smtClean="0"/>
+              <a:t>El hilo de emisión sólo requiere estar activo mientras envía el mensaje.</a:t>
+            </a:r>
+          </a:p>
+          <a:p>
+            <a:r>
+              <a:rPr lang="es-ES" smtClean="0"/>
+              <a:t>El hilo de recepción requiere estar siempre activo.</a:t>
+            </a:r>
+            <a:endParaRPr lang="es-ES" dirty="0"/>
+          </a:p>
+        </p:txBody>
+      </p:sp>
+      <p:sp>
+        <p:nvSpPr>
+          <p:cNvPr id="4" name="Rectángulo 3"/>
+          <p:cNvSpPr/>
+          <p:nvPr/>
+        </p:nvSpPr>
+        <p:spPr>
+          <a:xfrm>
+            <a:off x="7015316" y="2946284"/>
+            <a:ext cx="2322871" cy="806245"/>
+          </a:xfrm>
+          <a:prstGeom prst="rect">
+            <a:avLst/>
+          </a:prstGeom>
+        </p:spPr>
+        <p:style>
+          <a:lnRef idx="2">
+            <a:schemeClr val="accent1">
+              <a:shade val="50000"/>
+            </a:schemeClr>
+          </a:lnRef>
+          <a:fillRef idx="1">
+            <a:schemeClr val="accent1"/>
+          </a:fillRef>
+          <a:effectRef idx="0">
+            <a:schemeClr val="accent1"/>
+          </a:effectRef>
+          <a:fontRef idx="minor">
+            <a:schemeClr val="lt1"/>
+          </a:fontRef>
+        </p:style>
+        <p:txBody>
+          <a:bodyPr rtlCol="0" anchor="ctr"/>
+          <a:lstStyle/>
+          <a:p>
+            <a:pPr algn="ctr"/>
+            <a:r>
+              <a:rPr lang="es-ES" dirty="0" err="1" smtClean="0"/>
+              <a:t>TCPConnection</a:t>
+            </a:r>
+            <a:endParaRPr lang="es-CO" dirty="0"/>
+          </a:p>
+        </p:txBody>
+      </p:sp>
+      <p:sp>
+        <p:nvSpPr>
+          <p:cNvPr id="5" name="Rectángulo 4"/>
+          <p:cNvSpPr/>
+          <p:nvPr/>
+        </p:nvSpPr>
+        <p:spPr>
+          <a:xfrm>
+            <a:off x="7015315" y="2100933"/>
+            <a:ext cx="1135626" cy="806245"/>
+          </a:xfrm>
+          <a:prstGeom prst="rect">
+            <a:avLst/>
+          </a:prstGeom>
+          <a:solidFill>
+            <a:srgbClr val="002060"/>
+          </a:solidFill>
+          <a:ln>
+            <a:solidFill>
+              <a:schemeClr val="tx1"/>
+            </a:solidFill>
+          </a:ln>
+        </p:spPr>
+        <p:style>
+          <a:lnRef idx="2">
+            <a:schemeClr val="accent1">
+              <a:shade val="50000"/>
+            </a:schemeClr>
+          </a:lnRef>
+          <a:fillRef idx="1">
+            <a:schemeClr val="accent1"/>
+          </a:fillRef>
+          <a:effectRef idx="0">
+            <a:schemeClr val="accent1"/>
+          </a:effectRef>
+          <a:fontRef idx="minor">
+            <a:schemeClr val="lt1"/>
+          </a:fontRef>
+        </p:style>
+        <p:txBody>
+          <a:bodyPr rtlCol="0" anchor="ctr"/>
+          <a:lstStyle/>
+          <a:p>
+            <a:pPr algn="ctr"/>
+            <a:r>
+              <a:rPr lang="es-ES" dirty="0" smtClean="0"/>
+              <a:t>Receptor</a:t>
+            </a:r>
+            <a:endParaRPr lang="es-CO" dirty="0"/>
+          </a:p>
+        </p:txBody>
+      </p:sp>
+      <p:sp>
+        <p:nvSpPr>
+          <p:cNvPr id="6" name="Rectángulo 5"/>
+          <p:cNvSpPr/>
+          <p:nvPr/>
+        </p:nvSpPr>
+        <p:spPr>
+          <a:xfrm>
+            <a:off x="8202561" y="2100932"/>
+            <a:ext cx="1135626" cy="806245"/>
+          </a:xfrm>
+          <a:prstGeom prst="rect">
+            <a:avLst/>
+          </a:prstGeom>
+          <a:solidFill>
+            <a:srgbClr val="002060"/>
+          </a:solidFill>
+          <a:ln>
+            <a:solidFill>
+              <a:schemeClr val="tx1"/>
+            </a:solidFill>
+          </a:ln>
+        </p:spPr>
+        <p:style>
+          <a:lnRef idx="2">
+            <a:schemeClr val="accent1">
+              <a:shade val="50000"/>
+            </a:schemeClr>
+          </a:lnRef>
+          <a:fillRef idx="1">
+            <a:schemeClr val="accent1"/>
+          </a:fillRef>
+          <a:effectRef idx="0">
+            <a:schemeClr val="accent1"/>
+          </a:effectRef>
+          <a:fontRef idx="minor">
+            <a:schemeClr val="lt1"/>
+          </a:fontRef>
+        </p:style>
+        <p:txBody>
+          <a:bodyPr rtlCol="0" anchor="ctr"/>
+          <a:lstStyle/>
+          <a:p>
+            <a:pPr algn="ctr"/>
+            <a:r>
+              <a:rPr lang="es-ES" dirty="0" smtClean="0"/>
+              <a:t>Emisor</a:t>
+            </a:r>
+            <a:endParaRPr lang="es-CO" dirty="0"/>
+          </a:p>
+        </p:txBody>
+      </p:sp>
+      <p:sp>
+        <p:nvSpPr>
+          <p:cNvPr id="7" name="Rectángulo 6"/>
+          <p:cNvSpPr/>
+          <p:nvPr/>
+        </p:nvSpPr>
+        <p:spPr>
+          <a:xfrm>
+            <a:off x="7773628" y="4636988"/>
+            <a:ext cx="806245" cy="806245"/>
+          </a:xfrm>
+          <a:prstGeom prst="rect">
+            <a:avLst/>
+          </a:prstGeom>
+        </p:spPr>
+        <p:style>
+          <a:lnRef idx="2">
+            <a:schemeClr val="accent1">
+              <a:shade val="50000"/>
+            </a:schemeClr>
+          </a:lnRef>
+          <a:fillRef idx="1">
+            <a:schemeClr val="accent1"/>
+          </a:fillRef>
+          <a:effectRef idx="0">
+            <a:schemeClr val="accent1"/>
+          </a:effectRef>
+          <a:fontRef idx="minor">
+            <a:schemeClr val="lt1"/>
+          </a:fontRef>
+        </p:style>
+        <p:txBody>
+          <a:bodyPr rtlCol="0" anchor="ctr"/>
+          <a:lstStyle/>
+          <a:p>
+            <a:pPr algn="ctr"/>
+            <a:r>
+              <a:rPr lang="es-ES" dirty="0" smtClean="0"/>
+              <a:t>GUI</a:t>
+            </a:r>
+            <a:endParaRPr lang="es-CO" dirty="0"/>
+          </a:p>
+        </p:txBody>
+      </p:sp>
+      <p:cxnSp>
+        <p:nvCxnSpPr>
+          <p:cNvPr id="9" name="Conector recto de flecha 8"/>
+          <p:cNvCxnSpPr>
+            <a:stCxn id="7" idx="0"/>
+            <a:endCxn id="4" idx="2"/>
+          </p:cNvCxnSpPr>
+          <p:nvPr/>
+        </p:nvCxnSpPr>
+        <p:spPr>
+          <a:xfrm flipV="1">
+            <a:off x="8176751" y="3752529"/>
+            <a:ext cx="1" cy="884459"/>
+          </a:xfrm>
+          <a:prstGeom prst="straightConnector1">
+            <a:avLst/>
+          </a:prstGeom>
+          <a:ln>
+            <a:solidFill>
+              <a:schemeClr val="tx1"/>
+            </a:solidFill>
+            <a:headEnd type="triangle"/>
+            <a:tailEnd type="triangle"/>
+          </a:ln>
+        </p:spPr>
+        <p:style>
+          <a:lnRef idx="1">
+            <a:schemeClr val="accent1"/>
+          </a:lnRef>
+          <a:fillRef idx="0">
+            <a:schemeClr val="accent1"/>
+          </a:fillRef>
+          <a:effectRef idx="0">
+            <a:schemeClr val="accent1"/>
+          </a:effectRef>
+          <a:fontRef idx="minor">
+            <a:schemeClr val="tx1"/>
+          </a:fontRef>
+        </p:style>
+      </p:cxnSp>
+      <p:sp>
+        <p:nvSpPr>
+          <p:cNvPr id="10" name="Rectángulo 9"/>
+          <p:cNvSpPr/>
+          <p:nvPr/>
+        </p:nvSpPr>
+        <p:spPr>
+          <a:xfrm>
+            <a:off x="9761955" y="5086039"/>
+            <a:ext cx="285900" cy="285900"/>
+          </a:xfrm>
+          <a:prstGeom prst="rect">
+            <a:avLst/>
+          </a:prstGeom>
+          <a:solidFill>
+            <a:srgbClr val="002060"/>
+          </a:solidFill>
+          <a:ln>
+            <a:solidFill>
+              <a:schemeClr val="tx1"/>
+            </a:solidFill>
+          </a:ln>
+        </p:spPr>
+        <p:style>
+          <a:lnRef idx="2">
+            <a:schemeClr val="accent1">
+              <a:shade val="50000"/>
+            </a:schemeClr>
+          </a:lnRef>
+          <a:fillRef idx="1">
+            <a:schemeClr val="accent1"/>
+          </a:fillRef>
+          <a:effectRef idx="0">
+            <a:schemeClr val="accent1"/>
+          </a:effectRef>
+          <a:fontRef idx="minor">
+            <a:schemeClr val="lt1"/>
+          </a:fontRef>
+        </p:style>
+        <p:txBody>
+          <a:bodyPr rtlCol="0" anchor="ctr"/>
+          <a:lstStyle/>
+          <a:p>
+            <a:pPr algn="ctr"/>
+            <a:endParaRPr lang="es-CO" dirty="0"/>
+          </a:p>
+        </p:txBody>
+      </p:sp>
+      <p:sp>
+        <p:nvSpPr>
+          <p:cNvPr id="11" name="Rectángulo 10"/>
+          <p:cNvSpPr/>
+          <p:nvPr/>
+        </p:nvSpPr>
+        <p:spPr>
+          <a:xfrm>
+            <a:off x="9761955" y="4702420"/>
+            <a:ext cx="285900" cy="285900"/>
+          </a:xfrm>
+          <a:prstGeom prst="rect">
+            <a:avLst/>
+          </a:prstGeom>
+        </p:spPr>
+        <p:style>
+          <a:lnRef idx="2">
+            <a:schemeClr val="accent1">
+              <a:shade val="50000"/>
+            </a:schemeClr>
+          </a:lnRef>
+          <a:fillRef idx="1">
+            <a:schemeClr val="accent1"/>
+          </a:fillRef>
+          <a:effectRef idx="0">
+            <a:schemeClr val="accent1"/>
+          </a:effectRef>
+          <a:fontRef idx="minor">
+            <a:schemeClr val="lt1"/>
+          </a:fontRef>
+        </p:style>
+        <p:txBody>
+          <a:bodyPr rtlCol="0" anchor="ctr"/>
+          <a:lstStyle/>
+          <a:p>
+            <a:pPr algn="ctr"/>
+            <a:endParaRPr lang="es-CO" dirty="0"/>
+          </a:p>
+        </p:txBody>
+      </p:sp>
+      <p:sp>
+        <p:nvSpPr>
+          <p:cNvPr id="12" name="Rectángulo 11"/>
+          <p:cNvSpPr/>
+          <p:nvPr/>
+        </p:nvSpPr>
+        <p:spPr>
+          <a:xfrm>
+            <a:off x="10070196" y="4618988"/>
+            <a:ext cx="1431995" cy="369332"/>
+          </a:xfrm>
+          <a:prstGeom prst="rect">
+            <a:avLst/>
+          </a:prstGeom>
+        </p:spPr>
+        <p:txBody>
+          <a:bodyPr wrap="none">
+            <a:spAutoFit/>
+          </a:bodyPr>
+          <a:lstStyle/>
+          <a:p>
+            <a:r>
+              <a:rPr lang="es-ES" dirty="0" err="1" smtClean="0"/>
+              <a:t>Main</a:t>
+            </a:r>
+            <a:r>
+              <a:rPr lang="es-ES" dirty="0" smtClean="0"/>
+              <a:t> </a:t>
+            </a:r>
+            <a:r>
+              <a:rPr lang="es-ES" dirty="0" err="1" smtClean="0"/>
+              <a:t>Thread</a:t>
+            </a:r>
+            <a:r>
+              <a:rPr lang="es-ES" dirty="0" smtClean="0"/>
+              <a:t> </a:t>
+            </a:r>
+            <a:endParaRPr lang="es-CO" dirty="0"/>
+          </a:p>
+        </p:txBody>
+      </p:sp>
+      <p:sp>
+        <p:nvSpPr>
+          <p:cNvPr id="13" name="Rectángulo 12"/>
+          <p:cNvSpPr/>
+          <p:nvPr/>
+        </p:nvSpPr>
+        <p:spPr>
+          <a:xfrm>
+            <a:off x="10070196" y="5044323"/>
+            <a:ext cx="1676164" cy="369332"/>
+          </a:xfrm>
+          <a:prstGeom prst="rect">
+            <a:avLst/>
+          </a:prstGeom>
+        </p:spPr>
+        <p:txBody>
+          <a:bodyPr wrap="none">
+            <a:spAutoFit/>
+          </a:bodyPr>
+          <a:lstStyle/>
+          <a:p>
+            <a:r>
+              <a:rPr lang="es-ES" dirty="0" err="1" smtClean="0"/>
+              <a:t>Worker</a:t>
+            </a:r>
+            <a:r>
+              <a:rPr lang="es-ES" dirty="0" smtClean="0"/>
+              <a:t> </a:t>
+            </a:r>
+            <a:r>
+              <a:rPr lang="es-ES" dirty="0" err="1" smtClean="0"/>
+              <a:t>Threads</a:t>
+            </a:r>
+            <a:endParaRPr lang="es-CO" dirty="0"/>
+          </a:p>
+        </p:txBody>
+      </p:sp>
+    </p:spTree>
+    <p:extLst>
+      <p:ext uri="{BB962C8B-B14F-4D97-AF65-F5344CB8AC3E}">
+        <p14:creationId xmlns:p14="http://schemas.microsoft.com/office/powerpoint/2010/main" val="1372914675"/>
       </p:ext>
     </p:extLst>
   </p:cSld>

--- a/Semana 3/Presentación.pptx
+++ b/Semana 3/Presentación.pptx
@@ -246,7 +246,7 @@
           <a:p>
             <a:fld id="{430AAACB-714D-4ED6-9BCD-E10DE1E326CF}" type="datetimeFigureOut">
               <a:rPr lang="es-CO" smtClean="0"/>
-              <a:t>6/02/2019</a:t>
+              <a:t>7/02/2019</a:t>
             </a:fld>
             <a:endParaRPr lang="es-CO"/>
           </a:p>
@@ -2484,7 +2484,7 @@
           <a:p>
             <a:fld id="{C214C790-AC43-4046-BAB7-879940BCF0AB}" type="datetimeFigureOut">
               <a:rPr lang="es-CO" smtClean="0"/>
-              <a:t>6/02/2019</a:t>
+              <a:t>7/02/2019</a:t>
             </a:fld>
             <a:endParaRPr lang="es-CO"/>
           </a:p>
@@ -2692,7 +2692,7 @@
           <a:p>
             <a:fld id="{C214C790-AC43-4046-BAB7-879940BCF0AB}" type="datetimeFigureOut">
               <a:rPr lang="es-CO" smtClean="0"/>
-              <a:t>6/02/2019</a:t>
+              <a:t>7/02/2019</a:t>
             </a:fld>
             <a:endParaRPr lang="es-CO"/>
           </a:p>
@@ -2948,7 +2948,7 @@
           <a:p>
             <a:fld id="{C214C790-AC43-4046-BAB7-879940BCF0AB}" type="datetimeFigureOut">
               <a:rPr lang="es-CO" smtClean="0"/>
-              <a:t>6/02/2019</a:t>
+              <a:t>7/02/2019</a:t>
             </a:fld>
             <a:endParaRPr lang="es-CO"/>
           </a:p>
@@ -3118,7 +3118,7 @@
           <a:p>
             <a:fld id="{C214C790-AC43-4046-BAB7-879940BCF0AB}" type="datetimeFigureOut">
               <a:rPr lang="es-CO" smtClean="0"/>
-              <a:t>6/02/2019</a:t>
+              <a:t>7/02/2019</a:t>
             </a:fld>
             <a:endParaRPr lang="es-CO"/>
           </a:p>
@@ -3461,7 +3461,7 @@
           <a:p>
             <a:fld id="{C214C790-AC43-4046-BAB7-879940BCF0AB}" type="datetimeFigureOut">
               <a:rPr lang="es-CO" smtClean="0"/>
-              <a:t>6/02/2019</a:t>
+              <a:t>7/02/2019</a:t>
             </a:fld>
             <a:endParaRPr lang="es-CO"/>
           </a:p>
@@ -3736,7 +3736,7 @@
           <a:p>
             <a:fld id="{C214C790-AC43-4046-BAB7-879940BCF0AB}" type="datetimeFigureOut">
               <a:rPr lang="es-CO" smtClean="0"/>
-              <a:t>6/02/2019</a:t>
+              <a:t>7/02/2019</a:t>
             </a:fld>
             <a:endParaRPr lang="es-CO"/>
           </a:p>
@@ -4115,7 +4115,7 @@
           <a:p>
             <a:fld id="{C214C790-AC43-4046-BAB7-879940BCF0AB}" type="datetimeFigureOut">
               <a:rPr lang="es-CO" smtClean="0"/>
-              <a:t>6/02/2019</a:t>
+              <a:t>7/02/2019</a:t>
             </a:fld>
             <a:endParaRPr lang="es-CO"/>
           </a:p>
@@ -4233,7 +4233,7 @@
           <a:p>
             <a:fld id="{C214C790-AC43-4046-BAB7-879940BCF0AB}" type="datetimeFigureOut">
               <a:rPr lang="es-CO" smtClean="0"/>
-              <a:t>6/02/2019</a:t>
+              <a:t>7/02/2019</a:t>
             </a:fld>
             <a:endParaRPr lang="es-CO"/>
           </a:p>
@@ -4404,7 +4404,7 @@
           <a:p>
             <a:fld id="{C214C790-AC43-4046-BAB7-879940BCF0AB}" type="datetimeFigureOut">
               <a:rPr lang="es-CO" smtClean="0"/>
-              <a:t>6/02/2019</a:t>
+              <a:t>7/02/2019</a:t>
             </a:fld>
             <a:endParaRPr lang="es-CO"/>
           </a:p>
@@ -4758,7 +4758,7 @@
           <a:p>
             <a:fld id="{C214C790-AC43-4046-BAB7-879940BCF0AB}" type="datetimeFigureOut">
               <a:rPr lang="es-CO" smtClean="0"/>
-              <a:t>6/02/2019</a:t>
+              <a:t>7/02/2019</a:t>
             </a:fld>
             <a:endParaRPr lang="es-CO"/>
           </a:p>
@@ -5135,7 +5135,7 @@
           <a:p>
             <a:fld id="{C214C790-AC43-4046-BAB7-879940BCF0AB}" type="datetimeFigureOut">
               <a:rPr lang="es-CO" smtClean="0"/>
-              <a:t>6/02/2019</a:t>
+              <a:t>7/02/2019</a:t>
             </a:fld>
             <a:endParaRPr lang="es-CO"/>
           </a:p>
@@ -5422,7 +5422,7 @@
           <a:p>
             <a:fld id="{C214C790-AC43-4046-BAB7-879940BCF0AB}" type="datetimeFigureOut">
               <a:rPr lang="es-CO" smtClean="0"/>
-              <a:t>6/02/2019</a:t>
+              <a:t>7/02/2019</a:t>
             </a:fld>
             <a:endParaRPr lang="es-CO"/>
           </a:p>
@@ -29706,7 +29706,9 @@
           </a:xfrm>
         </p:spPr>
         <p:txBody>
-          <a:bodyPr/>
+          <a:bodyPr>
+            <a:normAutofit fontScale="92500" lnSpcReduction="10000"/>
+          </a:bodyPr>
           <a:lstStyle/>
           <a:p>
             <a:r>
@@ -29741,6 +29743,20 @@
             <a:r>
               <a:rPr lang="es-ES" dirty="0" err="1" smtClean="0"/>
               <a:t>Singleton</a:t>
+            </a:r>
+            <a:endParaRPr lang="es-ES" dirty="0" smtClean="0"/>
+          </a:p>
+          <a:p>
+            <a:endParaRPr lang="es-ES" dirty="0"/>
+          </a:p>
+          <a:p>
+            <a:r>
+              <a:rPr lang="es-ES" dirty="0" smtClean="0"/>
+              <a:t>Haga que el servidor TCP sea capaz de mantenerse disponible a pesar que ya haya terminado una sesión con </a:t>
+            </a:r>
+            <a:r>
+              <a:rPr lang="es-ES" smtClean="0"/>
+              <a:t>un cliente.</a:t>
             </a:r>
             <a:endParaRPr lang="es-CO" dirty="0"/>
           </a:p>

--- a/Semana 3/Presentación.pptx
+++ b/Semana 3/Presentación.pptx
@@ -6007,6 +6007,13 @@
   <p:clrMapOvr>
     <a:masterClrMapping/>
   </p:clrMapOvr>
+  <p:timing>
+    <p:tnLst>
+      <p:par>
+        <p:cTn id="1" dur="indefinite" restart="never" nodeType="tmRoot"/>
+      </p:par>
+    </p:tnLst>
+  </p:timing>
 </p:sld>
 </file>
 
@@ -6799,6 +6806,13 @@
   <p:clrMapOvr>
     <a:masterClrMapping/>
   </p:clrMapOvr>
+  <p:timing>
+    <p:tnLst>
+      <p:par>
+        <p:cTn id="1" dur="indefinite" restart="never" nodeType="tmRoot"/>
+      </p:par>
+    </p:tnLst>
+  </p:timing>
 </p:sld>
 </file>
 
@@ -7721,6 +7735,13 @@
   <p:clrMapOvr>
     <a:masterClrMapping/>
   </p:clrMapOvr>
+  <p:timing>
+    <p:tnLst>
+      <p:par>
+        <p:cTn id="1" dur="indefinite" restart="never" nodeType="tmRoot"/>
+      </p:par>
+    </p:tnLst>
+  </p:timing>
 </p:sld>
 </file>
 
@@ -8643,6 +8664,13 @@
   <p:clrMapOvr>
     <a:masterClrMapping/>
   </p:clrMapOvr>
+  <p:timing>
+    <p:tnLst>
+      <p:par>
+        <p:cTn id="1" dur="indefinite" restart="never" nodeType="tmRoot"/>
+      </p:par>
+    </p:tnLst>
+  </p:timing>
 </p:sld>
 </file>
 
@@ -9565,6 +9593,13 @@
   <p:clrMapOvr>
     <a:masterClrMapping/>
   </p:clrMapOvr>
+  <p:timing>
+    <p:tnLst>
+      <p:par>
+        <p:cTn id="1" dur="indefinite" restart="never" nodeType="tmRoot"/>
+      </p:par>
+    </p:tnLst>
+  </p:timing>
 </p:sld>
 </file>
 
@@ -10487,6 +10522,13 @@
   <p:clrMapOvr>
     <a:masterClrMapping/>
   </p:clrMapOvr>
+  <p:timing>
+    <p:tnLst>
+      <p:par>
+        <p:cTn id="1" dur="indefinite" restart="never" nodeType="tmRoot"/>
+      </p:par>
+    </p:tnLst>
+  </p:timing>
 </p:sld>
 </file>
 
@@ -11409,6 +11451,13 @@
   <p:clrMapOvr>
     <a:masterClrMapping/>
   </p:clrMapOvr>
+  <p:timing>
+    <p:tnLst>
+      <p:par>
+        <p:cTn id="1" dur="indefinite" restart="never" nodeType="tmRoot"/>
+      </p:par>
+    </p:tnLst>
+  </p:timing>
 </p:sld>
 </file>
 
@@ -12331,6 +12380,13 @@
   <p:clrMapOvr>
     <a:masterClrMapping/>
   </p:clrMapOvr>
+  <p:timing>
+    <p:tnLst>
+      <p:par>
+        <p:cTn id="1" dur="indefinite" restart="never" nodeType="tmRoot"/>
+      </p:par>
+    </p:tnLst>
+  </p:timing>
 </p:sld>
 </file>
 
@@ -13253,6 +13309,13 @@
   <p:clrMapOvr>
     <a:masterClrMapping/>
   </p:clrMapOvr>
+  <p:timing>
+    <p:tnLst>
+      <p:par>
+        <p:cTn id="1" dur="indefinite" restart="never" nodeType="tmRoot"/>
+      </p:par>
+    </p:tnLst>
+  </p:timing>
 </p:sld>
 </file>
 
@@ -14175,6 +14238,13 @@
   <p:clrMapOvr>
     <a:masterClrMapping/>
   </p:clrMapOvr>
+  <p:timing>
+    <p:tnLst>
+      <p:par>
+        <p:cTn id="1" dur="indefinite" restart="never" nodeType="tmRoot"/>
+      </p:par>
+    </p:tnLst>
+  </p:timing>
 </p:sld>
 </file>
 
@@ -14344,6 +14414,13 @@
   <p:clrMapOvr>
     <a:masterClrMapping/>
   </p:clrMapOvr>
+  <p:timing>
+    <p:tnLst>
+      <p:par>
+        <p:cTn id="1" dur="indefinite" restart="never" nodeType="tmRoot"/>
+      </p:par>
+    </p:tnLst>
+  </p:timing>
 </p:sld>
 </file>
 
@@ -14806,6 +14883,13 @@
   <p:clrMapOvr>
     <a:masterClrMapping/>
   </p:clrMapOvr>
+  <p:timing>
+    <p:tnLst>
+      <p:par>
+        <p:cTn id="1" dur="indefinite" restart="never" nodeType="tmRoot"/>
+      </p:par>
+    </p:tnLst>
+  </p:timing>
 </p:sld>
 </file>
 
@@ -15354,6 +15438,13 @@
   <p:clrMapOvr>
     <a:masterClrMapping/>
   </p:clrMapOvr>
+  <p:timing>
+    <p:tnLst>
+      <p:par>
+        <p:cTn id="1" dur="indefinite" restart="never" nodeType="tmRoot"/>
+      </p:par>
+    </p:tnLst>
+  </p:timing>
 </p:sld>
 </file>
 
@@ -15426,6 +15517,13 @@
   <p:clrMapOvr>
     <a:masterClrMapping/>
   </p:clrMapOvr>
+  <p:timing>
+    <p:tnLst>
+      <p:par>
+        <p:cTn id="1" dur="indefinite" restart="never" nodeType="tmRoot"/>
+      </p:par>
+    </p:tnLst>
+  </p:timing>
 </p:sld>
 </file>
 
@@ -15641,6 +15739,13 @@
   <p:clrMapOvr>
     <a:masterClrMapping/>
   </p:clrMapOvr>
+  <p:timing>
+    <p:tnLst>
+      <p:par>
+        <p:cTn id="1" dur="indefinite" restart="never" nodeType="tmRoot"/>
+      </p:par>
+    </p:tnLst>
+  </p:timing>
 </p:sld>
 </file>
 
@@ -15934,6 +16039,13 @@
   <p:clrMapOvr>
     <a:masterClrMapping/>
   </p:clrMapOvr>
+  <p:timing>
+    <p:tnLst>
+      <p:par>
+        <p:cTn id="1" dur="indefinite" restart="never" nodeType="tmRoot"/>
+      </p:par>
+    </p:tnLst>
+  </p:timing>
 </p:sld>
 </file>
 
@@ -16291,6 +16403,13 @@
   <p:clrMapOvr>
     <a:masterClrMapping/>
   </p:clrMapOvr>
+  <p:timing>
+    <p:tnLst>
+      <p:par>
+        <p:cTn id="1" dur="indefinite" restart="never" nodeType="tmRoot"/>
+      </p:par>
+    </p:tnLst>
+  </p:timing>
 </p:sld>
 </file>
 
@@ -16712,6 +16831,13 @@
   <p:clrMapOvr>
     <a:masterClrMapping/>
   </p:clrMapOvr>
+  <p:timing>
+    <p:tnLst>
+      <p:par>
+        <p:cTn id="1" dur="indefinite" restart="never" nodeType="tmRoot"/>
+      </p:par>
+    </p:tnLst>
+  </p:timing>
 </p:sld>
 </file>
 
@@ -17197,6 +17323,13 @@
   <p:clrMapOvr>
     <a:masterClrMapping/>
   </p:clrMapOvr>
+  <p:timing>
+    <p:tnLst>
+      <p:par>
+        <p:cTn id="1" dur="indefinite" restart="never" nodeType="tmRoot"/>
+      </p:par>
+    </p:tnLst>
+  </p:timing>
 </p:sld>
 </file>
 
@@ -17755,6 +17888,13 @@
   <p:clrMapOvr>
     <a:masterClrMapping/>
   </p:clrMapOvr>
+  <p:timing>
+    <p:tnLst>
+      <p:par>
+        <p:cTn id="1" dur="indefinite" restart="never" nodeType="tmRoot"/>
+      </p:par>
+    </p:tnLst>
+  </p:timing>
 </p:sld>
 </file>
 
@@ -18382,6 +18522,13 @@
   <p:clrMapOvr>
     <a:masterClrMapping/>
   </p:clrMapOvr>
+  <p:timing>
+    <p:tnLst>
+      <p:par>
+        <p:cTn id="1" dur="indefinite" restart="never" nodeType="tmRoot"/>
+      </p:par>
+    </p:tnLst>
+  </p:timing>
 </p:sld>
 </file>
 
@@ -19088,6 +19235,13 @@
   <p:clrMapOvr>
     <a:masterClrMapping/>
   </p:clrMapOvr>
+  <p:timing>
+    <p:tnLst>
+      <p:par>
+        <p:cTn id="1" dur="indefinite" restart="never" nodeType="tmRoot"/>
+      </p:par>
+    </p:tnLst>
+  </p:timing>
 </p:sld>
 </file>
 
@@ -19277,6 +19431,13 @@
   <p:clrMapOvr>
     <a:masterClrMapping/>
   </p:clrMapOvr>
+  <p:timing>
+    <p:tnLst>
+      <p:par>
+        <p:cTn id="1" dur="indefinite" restart="never" nodeType="tmRoot"/>
+      </p:par>
+    </p:tnLst>
+  </p:timing>
 </p:sld>
 </file>
 
@@ -20047,6 +20208,13 @@
   <p:clrMapOvr>
     <a:masterClrMapping/>
   </p:clrMapOvr>
+  <p:timing>
+    <p:tnLst>
+      <p:par>
+        <p:cTn id="1" dur="indefinite" restart="never" nodeType="tmRoot"/>
+      </p:par>
+    </p:tnLst>
+  </p:timing>
 </p:sld>
 </file>
 
@@ -20945,6 +21113,13 @@
   <p:clrMapOvr>
     <a:masterClrMapping/>
   </p:clrMapOvr>
+  <p:timing>
+    <p:tnLst>
+      <p:par>
+        <p:cTn id="1" dur="indefinite" restart="never" nodeType="tmRoot"/>
+      </p:par>
+    </p:tnLst>
+  </p:timing>
 </p:sld>
 </file>
 
@@ -21907,6 +22082,13 @@
   <p:clrMapOvr>
     <a:masterClrMapping/>
   </p:clrMapOvr>
+  <p:timing>
+    <p:tnLst>
+      <p:par>
+        <p:cTn id="1" dur="indefinite" restart="never" nodeType="tmRoot"/>
+      </p:par>
+    </p:tnLst>
+  </p:timing>
 </p:sld>
 </file>
 
@@ -21979,6 +22161,13 @@
   <p:clrMapOvr>
     <a:masterClrMapping/>
   </p:clrMapOvr>
+  <p:timing>
+    <p:tnLst>
+      <p:par>
+        <p:cTn id="1" dur="indefinite" restart="never" nodeType="tmRoot"/>
+      </p:par>
+    </p:tnLst>
+  </p:timing>
 </p:sld>
 </file>
 
@@ -22194,6 +22383,13 @@
   <p:clrMapOvr>
     <a:masterClrMapping/>
   </p:clrMapOvr>
+  <p:timing>
+    <p:tnLst>
+      <p:par>
+        <p:cTn id="1" dur="indefinite" restart="never" nodeType="tmRoot"/>
+      </p:par>
+    </p:tnLst>
+  </p:timing>
 </p:sld>
 </file>
 
@@ -22477,6 +22673,13 @@
   <p:clrMapOvr>
     <a:masterClrMapping/>
   </p:clrMapOvr>
+  <p:timing>
+    <p:tnLst>
+      <p:par>
+        <p:cTn id="1" dur="indefinite" restart="never" nodeType="tmRoot"/>
+      </p:par>
+    </p:tnLst>
+  </p:timing>
 </p:sld>
 </file>
 
@@ -22824,6 +23027,13 @@
   <p:clrMapOvr>
     <a:masterClrMapping/>
   </p:clrMapOvr>
+  <p:timing>
+    <p:tnLst>
+      <p:par>
+        <p:cTn id="1" dur="indefinite" restart="never" nodeType="tmRoot"/>
+      </p:par>
+    </p:tnLst>
+  </p:timing>
 </p:sld>
 </file>
 
@@ -23239,6 +23449,13 @@
   <p:clrMapOvr>
     <a:masterClrMapping/>
   </p:clrMapOvr>
+  <p:timing>
+    <p:tnLst>
+      <p:par>
+        <p:cTn id="1" dur="indefinite" restart="never" nodeType="tmRoot"/>
+      </p:par>
+    </p:tnLst>
+  </p:timing>
 </p:sld>
 </file>
 
@@ -23718,6 +23935,13 @@
   <p:clrMapOvr>
     <a:masterClrMapping/>
   </p:clrMapOvr>
+  <p:timing>
+    <p:tnLst>
+      <p:par>
+        <p:cTn id="1" dur="indefinite" restart="never" nodeType="tmRoot"/>
+      </p:par>
+    </p:tnLst>
+  </p:timing>
 </p:sld>
 </file>
 
@@ -24265,6 +24489,13 @@
   <p:clrMapOvr>
     <a:masterClrMapping/>
   </p:clrMapOvr>
+  <p:timing>
+    <p:tnLst>
+      <p:par>
+        <p:cTn id="1" dur="indefinite" restart="never" nodeType="tmRoot"/>
+      </p:par>
+    </p:tnLst>
+  </p:timing>
 </p:sld>
 </file>
 
@@ -24877,6 +25108,13 @@
   <p:clrMapOvr>
     <a:masterClrMapping/>
   </p:clrMapOvr>
+  <p:timing>
+    <p:tnLst>
+      <p:par>
+        <p:cTn id="1" dur="indefinite" restart="never" nodeType="tmRoot"/>
+      </p:par>
+    </p:tnLst>
+  </p:timing>
 </p:sld>
 </file>
 
@@ -25462,6 +25700,13 @@
   <p:clrMapOvr>
     <a:masterClrMapping/>
   </p:clrMapOvr>
+  <p:timing>
+    <p:tnLst>
+      <p:par>
+        <p:cTn id="1" dur="indefinite" restart="never" nodeType="tmRoot"/>
+      </p:par>
+    </p:tnLst>
+  </p:timing>
 </p:sld>
 </file>
 
@@ -26111,6 +26356,13 @@
   <p:clrMapOvr>
     <a:masterClrMapping/>
   </p:clrMapOvr>
+  <p:timing>
+    <p:tnLst>
+      <p:par>
+        <p:cTn id="1" dur="indefinite" restart="never" nodeType="tmRoot"/>
+      </p:par>
+    </p:tnLst>
+  </p:timing>
 </p:sld>
 </file>
 
@@ -26836,6 +27088,13 @@
   <p:clrMapOvr>
     <a:masterClrMapping/>
   </p:clrMapOvr>
+  <p:timing>
+    <p:tnLst>
+      <p:par>
+        <p:cTn id="1" dur="indefinite" restart="never" nodeType="tmRoot"/>
+      </p:par>
+    </p:tnLst>
+  </p:timing>
 </p:sld>
 </file>
 
@@ -27821,6 +28080,13 @@
   <p:clrMapOvr>
     <a:masterClrMapping/>
   </p:clrMapOvr>
+  <p:timing>
+    <p:tnLst>
+      <p:par>
+        <p:cTn id="1" dur="indefinite" restart="never" nodeType="tmRoot"/>
+      </p:par>
+    </p:tnLst>
+  </p:timing>
 </p:sld>
 </file>
 
@@ -28586,6 +28852,13 @@
   <p:clrMapOvr>
     <a:masterClrMapping/>
   </p:clrMapOvr>
+  <p:timing>
+    <p:tnLst>
+      <p:par>
+        <p:cTn id="1" dur="indefinite" restart="never" nodeType="tmRoot"/>
+      </p:par>
+    </p:tnLst>
+  </p:timing>
 </p:sld>
 </file>
 
@@ -29502,6 +29775,13 @@
   <p:clrMapOvr>
     <a:masterClrMapping/>
   </p:clrMapOvr>
+  <p:timing>
+    <p:tnLst>
+      <p:par>
+        <p:cTn id="1" dur="indefinite" restart="never" nodeType="tmRoot"/>
+      </p:par>
+    </p:tnLst>
+  </p:timing>
 </p:sld>
 </file>
 
@@ -29646,6 +29926,13 @@
   <p:clrMapOvr>
     <a:masterClrMapping/>
   </p:clrMapOvr>
+  <p:timing>
+    <p:tnLst>
+      <p:par>
+        <p:cTn id="1" dur="indefinite" restart="never" nodeType="tmRoot"/>
+      </p:par>
+    </p:tnLst>
+  </p:timing>
 </p:sld>
 </file>
 
@@ -30481,6 +30768,13 @@
   <p:clrMapOvr>
     <a:masterClrMapping/>
   </p:clrMapOvr>
+  <p:timing>
+    <p:tnLst>
+      <p:par>
+        <p:cTn id="1" dur="indefinite" restart="never" nodeType="tmRoot"/>
+      </p:par>
+    </p:tnLst>
+  </p:timing>
 </p:sld>
 </file>
 
@@ -31678,6 +31972,13 @@
   <p:clrMapOvr>
     <a:masterClrMapping/>
   </p:clrMapOvr>
+  <p:timing>
+    <p:tnLst>
+      <p:par>
+        <p:cTn id="1" dur="indefinite" restart="never" nodeType="tmRoot"/>
+      </p:par>
+    </p:tnLst>
+  </p:timing>
 </p:sld>
 </file>
 
@@ -32346,6 +32647,13 @@
   <p:clrMapOvr>
     <a:masterClrMapping/>
   </p:clrMapOvr>
+  <p:timing>
+    <p:tnLst>
+      <p:par>
+        <p:cTn id="1" dur="indefinite" restart="never" nodeType="tmRoot"/>
+      </p:par>
+    </p:tnLst>
+  </p:timing>
 </p:sld>
 </file>
 
@@ -33014,6 +33322,13 @@
   <p:clrMapOvr>
     <a:masterClrMapping/>
   </p:clrMapOvr>
+  <p:timing>
+    <p:tnLst>
+      <p:par>
+        <p:cTn id="1" dur="indefinite" restart="never" nodeType="tmRoot"/>
+      </p:par>
+    </p:tnLst>
+  </p:timing>
 </p:sld>
 </file>
 
@@ -33624,6 +33939,13 @@
   <p:clrMapOvr>
     <a:masterClrMapping/>
   </p:clrMapOvr>
+  <p:timing>
+    <p:tnLst>
+      <p:par>
+        <p:cTn id="1" dur="indefinite" restart="never" nodeType="tmRoot"/>
+      </p:par>
+    </p:tnLst>
+  </p:timing>
 </p:sld>
 </file>
 

--- a/Semana 3/Presentación.pptx
+++ b/Semana 3/Presentación.pptx
@@ -5,7 +5,7 @@
     <p:sldMasterId id="2147483672" r:id="rId1"/>
   </p:sldMasterIdLst>
   <p:notesMasterIdLst>
-    <p:notesMasterId r:id="rId52"/>
+    <p:notesMasterId r:id="rId53"/>
   </p:notesMasterIdLst>
   <p:sldIdLst>
     <p:sldId id="256" r:id="rId2"/>
@@ -58,6 +58,7 @@
     <p:sldId id="257" r:id="rId49"/>
     <p:sldId id="310" r:id="rId50"/>
     <p:sldId id="311" r:id="rId51"/>
+    <p:sldId id="312" r:id="rId52"/>
   </p:sldIdLst>
   <p:sldSz cx="12192000" cy="6858000"/>
   <p:notesSz cx="6858000" cy="9144000"/>
@@ -246,7 +247,7 @@
           <a:p>
             <a:fld id="{430AAACB-714D-4ED6-9BCD-E10DE1E326CF}" type="datetimeFigureOut">
               <a:rPr lang="es-CO" smtClean="0"/>
-              <a:t>7/02/2019</a:t>
+              <a:t>11/02/2019</a:t>
             </a:fld>
             <a:endParaRPr lang="es-CO"/>
           </a:p>
@@ -2484,7 +2485,7 @@
           <a:p>
             <a:fld id="{C214C790-AC43-4046-BAB7-879940BCF0AB}" type="datetimeFigureOut">
               <a:rPr lang="es-CO" smtClean="0"/>
-              <a:t>7/02/2019</a:t>
+              <a:t>11/02/2019</a:t>
             </a:fld>
             <a:endParaRPr lang="es-CO"/>
           </a:p>
@@ -2692,7 +2693,7 @@
           <a:p>
             <a:fld id="{C214C790-AC43-4046-BAB7-879940BCF0AB}" type="datetimeFigureOut">
               <a:rPr lang="es-CO" smtClean="0"/>
-              <a:t>7/02/2019</a:t>
+              <a:t>11/02/2019</a:t>
             </a:fld>
             <a:endParaRPr lang="es-CO"/>
           </a:p>
@@ -2948,7 +2949,7 @@
           <a:p>
             <a:fld id="{C214C790-AC43-4046-BAB7-879940BCF0AB}" type="datetimeFigureOut">
               <a:rPr lang="es-CO" smtClean="0"/>
-              <a:t>7/02/2019</a:t>
+              <a:t>11/02/2019</a:t>
             </a:fld>
             <a:endParaRPr lang="es-CO"/>
           </a:p>
@@ -3118,7 +3119,7 @@
           <a:p>
             <a:fld id="{C214C790-AC43-4046-BAB7-879940BCF0AB}" type="datetimeFigureOut">
               <a:rPr lang="es-CO" smtClean="0"/>
-              <a:t>7/02/2019</a:t>
+              <a:t>11/02/2019</a:t>
             </a:fld>
             <a:endParaRPr lang="es-CO"/>
           </a:p>
@@ -3461,7 +3462,7 @@
           <a:p>
             <a:fld id="{C214C790-AC43-4046-BAB7-879940BCF0AB}" type="datetimeFigureOut">
               <a:rPr lang="es-CO" smtClean="0"/>
-              <a:t>7/02/2019</a:t>
+              <a:t>11/02/2019</a:t>
             </a:fld>
             <a:endParaRPr lang="es-CO"/>
           </a:p>
@@ -3736,7 +3737,7 @@
           <a:p>
             <a:fld id="{C214C790-AC43-4046-BAB7-879940BCF0AB}" type="datetimeFigureOut">
               <a:rPr lang="es-CO" smtClean="0"/>
-              <a:t>7/02/2019</a:t>
+              <a:t>11/02/2019</a:t>
             </a:fld>
             <a:endParaRPr lang="es-CO"/>
           </a:p>
@@ -4115,7 +4116,7 @@
           <a:p>
             <a:fld id="{C214C790-AC43-4046-BAB7-879940BCF0AB}" type="datetimeFigureOut">
               <a:rPr lang="es-CO" smtClean="0"/>
-              <a:t>7/02/2019</a:t>
+              <a:t>11/02/2019</a:t>
             </a:fld>
             <a:endParaRPr lang="es-CO"/>
           </a:p>
@@ -4233,7 +4234,7 @@
           <a:p>
             <a:fld id="{C214C790-AC43-4046-BAB7-879940BCF0AB}" type="datetimeFigureOut">
               <a:rPr lang="es-CO" smtClean="0"/>
-              <a:t>7/02/2019</a:t>
+              <a:t>11/02/2019</a:t>
             </a:fld>
             <a:endParaRPr lang="es-CO"/>
           </a:p>
@@ -4404,7 +4405,7 @@
           <a:p>
             <a:fld id="{C214C790-AC43-4046-BAB7-879940BCF0AB}" type="datetimeFigureOut">
               <a:rPr lang="es-CO" smtClean="0"/>
-              <a:t>7/02/2019</a:t>
+              <a:t>11/02/2019</a:t>
             </a:fld>
             <a:endParaRPr lang="es-CO"/>
           </a:p>
@@ -4758,7 +4759,7 @@
           <a:p>
             <a:fld id="{C214C790-AC43-4046-BAB7-879940BCF0AB}" type="datetimeFigureOut">
               <a:rPr lang="es-CO" smtClean="0"/>
-              <a:t>7/02/2019</a:t>
+              <a:t>11/02/2019</a:t>
             </a:fld>
             <a:endParaRPr lang="es-CO"/>
           </a:p>
@@ -5135,7 +5136,7 @@
           <a:p>
             <a:fld id="{C214C790-AC43-4046-BAB7-879940BCF0AB}" type="datetimeFigureOut">
               <a:rPr lang="es-CO" smtClean="0"/>
-              <a:t>7/02/2019</a:t>
+              <a:t>11/02/2019</a:t>
             </a:fld>
             <a:endParaRPr lang="es-CO"/>
           </a:p>
@@ -5422,7 +5423,7 @@
           <a:p>
             <a:fld id="{C214C790-AC43-4046-BAB7-879940BCF0AB}" type="datetimeFigureOut">
               <a:rPr lang="es-CO" smtClean="0"/>
-              <a:t>7/02/2019</a:t>
+              <a:t>11/02/2019</a:t>
             </a:fld>
             <a:endParaRPr lang="es-CO"/>
           </a:p>
@@ -28124,7 +28125,15 @@
           <a:p>
             <a:r>
               <a:rPr lang="es-ES" dirty="0" smtClean="0"/>
-              <a:t>Taller grupal</a:t>
+              <a:t>Taller </a:t>
+            </a:r>
+            <a:r>
+              <a:rPr lang="es-ES" dirty="0" smtClean="0"/>
+              <a:t>grupal (</a:t>
+            </a:r>
+            <a:r>
+              <a:rPr lang="es-ES" smtClean="0"/>
+              <a:t>Nota grupal: 4.5)</a:t>
             </a:r>
             <a:endParaRPr lang="es-CO" dirty="0"/>
           </a:p>
@@ -31298,6 +31307,880 @@
     <p:extLst>
       <p:ext uri="{BB962C8B-B14F-4D97-AF65-F5344CB8AC3E}">
         <p14:creationId xmlns:p14="http://schemas.microsoft.com/office/powerpoint/2010/main" val="1372914675"/>
+      </p:ext>
+    </p:extLst>
+  </p:cSld>
+  <p:clrMapOvr>
+    <a:masterClrMapping/>
+  </p:clrMapOvr>
+</p:sld>
+</file>
+
+<file path=ppt/slides/slide51.xml><?xml version="1.0" encoding="utf-8"?>
+<p:sld xmlns:a="http://schemas.openxmlformats.org/drawingml/2006/main" xmlns:r="http://schemas.openxmlformats.org/officeDocument/2006/relationships" xmlns:p="http://schemas.openxmlformats.org/presentationml/2006/main">
+  <p:cSld>
+    <p:spTree>
+      <p:nvGrpSpPr>
+        <p:cNvPr id="1" name=""/>
+        <p:cNvGrpSpPr/>
+        <p:nvPr/>
+      </p:nvGrpSpPr>
+      <p:grpSpPr>
+        <a:xfrm>
+          <a:off x="0" y="0"/>
+          <a:ext cx="0" cy="0"/>
+          <a:chOff x="0" y="0"/>
+          <a:chExt cx="0" cy="0"/>
+        </a:xfrm>
+      </p:grpSpPr>
+      <p:sp>
+        <p:nvSpPr>
+          <p:cNvPr id="2" name="Título 1"/>
+          <p:cNvSpPr>
+            <a:spLocks noGrp="1"/>
+          </p:cNvSpPr>
+          <p:nvPr>
+            <p:ph type="title"/>
+          </p:nvPr>
+        </p:nvSpPr>
+        <p:spPr/>
+        <p:txBody>
+          <a:bodyPr/>
+          <a:lstStyle/>
+          <a:p>
+            <a:r>
+              <a:rPr lang="es-ES" dirty="0" smtClean="0"/>
+              <a:t>Conexiones asíncronas</a:t>
+            </a:r>
+            <a:endParaRPr lang="es-CO" dirty="0"/>
+          </a:p>
+        </p:txBody>
+      </p:sp>
+      <p:sp>
+        <p:nvSpPr>
+          <p:cNvPr id="3" name="Marcador de contenido 2"/>
+          <p:cNvSpPr>
+            <a:spLocks noGrp="1"/>
+          </p:cNvSpPr>
+          <p:nvPr>
+            <p:ph idx="1"/>
+          </p:nvPr>
+        </p:nvSpPr>
+        <p:spPr>
+          <a:xfrm>
+            <a:off x="1097280" y="1845734"/>
+            <a:ext cx="5451004" cy="4023360"/>
+          </a:xfrm>
+        </p:spPr>
+        <p:txBody>
+          <a:bodyPr/>
+          <a:lstStyle/>
+          <a:p>
+            <a:r>
+              <a:rPr lang="es-ES" dirty="0" smtClean="0"/>
+              <a:t>Una conexión asíncrona implica que hay un hilo de </a:t>
+            </a:r>
+            <a:r>
+              <a:rPr lang="es-ES" b="1" dirty="0" smtClean="0"/>
+              <a:t>ENVÍO</a:t>
+            </a:r>
+            <a:r>
+              <a:rPr lang="es-ES" dirty="0" smtClean="0"/>
+              <a:t> y otro hilo de </a:t>
+            </a:r>
+            <a:r>
+              <a:rPr lang="es-ES" b="1" dirty="0" smtClean="0"/>
+              <a:t>RECEPCIÓN</a:t>
+            </a:r>
+            <a:r>
+              <a:rPr lang="es-ES" dirty="0" smtClean="0"/>
+              <a:t>.</a:t>
+            </a:r>
+          </a:p>
+          <a:p>
+            <a:r>
+              <a:rPr lang="es-ES" dirty="0" smtClean="0"/>
+              <a:t>Ambos hilos deben surgir en el momento que ocurre el </a:t>
+            </a:r>
+            <a:r>
+              <a:rPr lang="es-ES" b="1" dirty="0" smtClean="0"/>
+              <a:t>HANDSHAKE</a:t>
+            </a:r>
+            <a:r>
+              <a:rPr lang="es-ES" dirty="0" smtClean="0"/>
+              <a:t>.</a:t>
+            </a:r>
+            <a:endParaRPr lang="es-ES" u="sng" dirty="0" smtClean="0"/>
+          </a:p>
+          <a:p>
+            <a:r>
+              <a:rPr lang="es-ES" dirty="0" smtClean="0"/>
+              <a:t>La clase </a:t>
+            </a:r>
+            <a:r>
+              <a:rPr lang="es-ES" dirty="0" err="1" smtClean="0"/>
+              <a:t>Singleton</a:t>
+            </a:r>
+            <a:r>
+              <a:rPr lang="es-ES" dirty="0" smtClean="0"/>
+              <a:t> de conexión debe poder dirigir y obtener información hacia los dos hilos de recepción y emisión.</a:t>
+            </a:r>
+            <a:endParaRPr lang="es-ES" u="sng" dirty="0" smtClean="0"/>
+          </a:p>
+          <a:p>
+            <a:r>
+              <a:rPr lang="es-ES" dirty="0" smtClean="0"/>
+              <a:t>El hilo de emisión sólo requiere estar activo mientras envía el mensaje.</a:t>
+            </a:r>
+          </a:p>
+          <a:p>
+            <a:r>
+              <a:rPr lang="es-ES" dirty="0" smtClean="0"/>
+              <a:t>El hilo de recepción requiere estar siempre activo.</a:t>
+            </a:r>
+            <a:endParaRPr lang="es-ES" dirty="0"/>
+          </a:p>
+        </p:txBody>
+      </p:sp>
+      <p:cxnSp>
+        <p:nvCxnSpPr>
+          <p:cNvPr id="14" name="Conector recto de flecha 13"/>
+          <p:cNvCxnSpPr/>
+          <p:nvPr/>
+        </p:nvCxnSpPr>
+        <p:spPr>
+          <a:xfrm>
+            <a:off x="7579305" y="2064774"/>
+            <a:ext cx="0" cy="4247536"/>
+          </a:xfrm>
+          <a:prstGeom prst="straightConnector1">
+            <a:avLst/>
+          </a:prstGeom>
+          <a:ln>
+            <a:solidFill>
+              <a:schemeClr val="tx1"/>
+            </a:solidFill>
+            <a:tailEnd type="triangle"/>
+          </a:ln>
+        </p:spPr>
+        <p:style>
+          <a:lnRef idx="1">
+            <a:schemeClr val="accent1"/>
+          </a:lnRef>
+          <a:fillRef idx="0">
+            <a:schemeClr val="accent1"/>
+          </a:fillRef>
+          <a:effectRef idx="0">
+            <a:schemeClr val="accent1"/>
+          </a:effectRef>
+          <a:fontRef idx="minor">
+            <a:schemeClr val="tx1"/>
+          </a:fontRef>
+        </p:style>
+      </p:cxnSp>
+      <p:sp>
+        <p:nvSpPr>
+          <p:cNvPr id="15" name="Rectángulo 14"/>
+          <p:cNvSpPr/>
+          <p:nvPr/>
+        </p:nvSpPr>
+        <p:spPr>
+          <a:xfrm>
+            <a:off x="6889757" y="1737360"/>
+            <a:ext cx="1379095" cy="369332"/>
+          </a:xfrm>
+          <a:prstGeom prst="rect">
+            <a:avLst/>
+          </a:prstGeom>
+        </p:spPr>
+        <p:txBody>
+          <a:bodyPr wrap="none">
+            <a:spAutoFit/>
+          </a:bodyPr>
+          <a:lstStyle/>
+          <a:p>
+            <a:r>
+              <a:rPr lang="es-ES" dirty="0" err="1" smtClean="0"/>
+              <a:t>Main</a:t>
+            </a:r>
+            <a:r>
+              <a:rPr lang="es-ES" dirty="0" smtClean="0"/>
+              <a:t> </a:t>
+            </a:r>
+            <a:r>
+              <a:rPr lang="es-ES" dirty="0" err="1" smtClean="0"/>
+              <a:t>Thread</a:t>
+            </a:r>
+            <a:endParaRPr lang="es-CO" dirty="0"/>
+          </a:p>
+        </p:txBody>
+      </p:sp>
+      <p:sp>
+        <p:nvSpPr>
+          <p:cNvPr id="16" name="Rectángulo 15"/>
+          <p:cNvSpPr/>
+          <p:nvPr/>
+        </p:nvSpPr>
+        <p:spPr>
+          <a:xfrm>
+            <a:off x="8268852" y="1737360"/>
+            <a:ext cx="1031757" cy="369332"/>
+          </a:xfrm>
+          <a:prstGeom prst="rect">
+            <a:avLst/>
+          </a:prstGeom>
+        </p:spPr>
+        <p:txBody>
+          <a:bodyPr wrap="none">
+            <a:spAutoFit/>
+          </a:bodyPr>
+          <a:lstStyle/>
+          <a:p>
+            <a:r>
+              <a:rPr lang="es-ES" dirty="0" smtClean="0"/>
+              <a:t>Receptor</a:t>
+            </a:r>
+            <a:endParaRPr lang="es-CO" dirty="0"/>
+          </a:p>
+        </p:txBody>
+      </p:sp>
+      <p:sp>
+        <p:nvSpPr>
+          <p:cNvPr id="17" name="Rectángulo 16"/>
+          <p:cNvSpPr/>
+          <p:nvPr/>
+        </p:nvSpPr>
+        <p:spPr>
+          <a:xfrm>
+            <a:off x="9385128" y="1737360"/>
+            <a:ext cx="825867" cy="369332"/>
+          </a:xfrm>
+          <a:prstGeom prst="rect">
+            <a:avLst/>
+          </a:prstGeom>
+        </p:spPr>
+        <p:txBody>
+          <a:bodyPr wrap="none">
+            <a:spAutoFit/>
+          </a:bodyPr>
+          <a:lstStyle/>
+          <a:p>
+            <a:r>
+              <a:rPr lang="es-ES" dirty="0" smtClean="0"/>
+              <a:t>Emisor</a:t>
+            </a:r>
+            <a:endParaRPr lang="es-CO" dirty="0"/>
+          </a:p>
+        </p:txBody>
+      </p:sp>
+      <p:cxnSp>
+        <p:nvCxnSpPr>
+          <p:cNvPr id="19" name="Conector recto de flecha 18"/>
+          <p:cNvCxnSpPr/>
+          <p:nvPr/>
+        </p:nvCxnSpPr>
+        <p:spPr>
+          <a:xfrm>
+            <a:off x="8779814" y="2064774"/>
+            <a:ext cx="0" cy="4247536"/>
+          </a:xfrm>
+          <a:prstGeom prst="straightConnector1">
+            <a:avLst/>
+          </a:prstGeom>
+          <a:ln>
+            <a:solidFill>
+              <a:schemeClr val="tx1"/>
+            </a:solidFill>
+            <a:tailEnd type="triangle"/>
+          </a:ln>
+        </p:spPr>
+        <p:style>
+          <a:lnRef idx="1">
+            <a:schemeClr val="accent1"/>
+          </a:lnRef>
+          <a:fillRef idx="0">
+            <a:schemeClr val="accent1"/>
+          </a:fillRef>
+          <a:effectRef idx="0">
+            <a:schemeClr val="accent1"/>
+          </a:effectRef>
+          <a:fontRef idx="minor">
+            <a:schemeClr val="tx1"/>
+          </a:fontRef>
+        </p:style>
+      </p:cxnSp>
+      <p:cxnSp>
+        <p:nvCxnSpPr>
+          <p:cNvPr id="20" name="Conector recto de flecha 19"/>
+          <p:cNvCxnSpPr/>
+          <p:nvPr/>
+        </p:nvCxnSpPr>
+        <p:spPr>
+          <a:xfrm>
+            <a:off x="9798061" y="2064774"/>
+            <a:ext cx="0" cy="4247536"/>
+          </a:xfrm>
+          <a:prstGeom prst="straightConnector1">
+            <a:avLst/>
+          </a:prstGeom>
+          <a:ln>
+            <a:solidFill>
+              <a:schemeClr val="tx1"/>
+            </a:solidFill>
+            <a:tailEnd type="triangle"/>
+          </a:ln>
+        </p:spPr>
+        <p:style>
+          <a:lnRef idx="1">
+            <a:schemeClr val="accent1"/>
+          </a:lnRef>
+          <a:fillRef idx="0">
+            <a:schemeClr val="accent1"/>
+          </a:fillRef>
+          <a:effectRef idx="0">
+            <a:schemeClr val="accent1"/>
+          </a:effectRef>
+          <a:fontRef idx="minor">
+            <a:schemeClr val="tx1"/>
+          </a:fontRef>
+        </p:style>
+      </p:cxnSp>
+      <p:sp>
+        <p:nvSpPr>
+          <p:cNvPr id="21" name="Rectángulo 20"/>
+          <p:cNvSpPr/>
+          <p:nvPr/>
+        </p:nvSpPr>
+        <p:spPr>
+          <a:xfrm>
+            <a:off x="7510479" y="2202426"/>
+            <a:ext cx="147485" cy="3864077"/>
+          </a:xfrm>
+          <a:prstGeom prst="rect">
+            <a:avLst/>
+          </a:prstGeom>
+          <a:solidFill>
+            <a:schemeClr val="bg1">
+              <a:lumMod val="65000"/>
+            </a:schemeClr>
+          </a:solidFill>
+          <a:ln>
+            <a:solidFill>
+              <a:schemeClr val="tx1"/>
+            </a:solidFill>
+          </a:ln>
+        </p:spPr>
+        <p:style>
+          <a:lnRef idx="2">
+            <a:schemeClr val="accent1">
+              <a:shade val="50000"/>
+            </a:schemeClr>
+          </a:lnRef>
+          <a:fillRef idx="1">
+            <a:schemeClr val="accent1"/>
+          </a:fillRef>
+          <a:effectRef idx="0">
+            <a:schemeClr val="accent1"/>
+          </a:effectRef>
+          <a:fontRef idx="minor">
+            <a:schemeClr val="lt1"/>
+          </a:fontRef>
+        </p:style>
+        <p:txBody>
+          <a:bodyPr rtlCol="0" anchor="ctr"/>
+          <a:lstStyle/>
+          <a:p>
+            <a:pPr algn="ctr"/>
+            <a:endParaRPr lang="es-CO"/>
+          </a:p>
+        </p:txBody>
+      </p:sp>
+      <p:sp>
+        <p:nvSpPr>
+          <p:cNvPr id="23" name="Rectángulo 22"/>
+          <p:cNvSpPr/>
+          <p:nvPr/>
+        </p:nvSpPr>
+        <p:spPr>
+          <a:xfrm>
+            <a:off x="8706071" y="2808817"/>
+            <a:ext cx="147485" cy="3257686"/>
+          </a:xfrm>
+          <a:prstGeom prst="rect">
+            <a:avLst/>
+          </a:prstGeom>
+          <a:solidFill>
+            <a:schemeClr val="bg1">
+              <a:lumMod val="65000"/>
+            </a:schemeClr>
+          </a:solidFill>
+          <a:ln>
+            <a:solidFill>
+              <a:schemeClr val="tx1"/>
+            </a:solidFill>
+          </a:ln>
+        </p:spPr>
+        <p:style>
+          <a:lnRef idx="2">
+            <a:schemeClr val="accent1">
+              <a:shade val="50000"/>
+            </a:schemeClr>
+          </a:lnRef>
+          <a:fillRef idx="1">
+            <a:schemeClr val="accent1"/>
+          </a:fillRef>
+          <a:effectRef idx="0">
+            <a:schemeClr val="accent1"/>
+          </a:effectRef>
+          <a:fontRef idx="minor">
+            <a:schemeClr val="lt1"/>
+          </a:fontRef>
+        </p:style>
+        <p:txBody>
+          <a:bodyPr rtlCol="0" anchor="ctr"/>
+          <a:lstStyle/>
+          <a:p>
+            <a:pPr algn="ctr"/>
+            <a:endParaRPr lang="es-CO"/>
+          </a:p>
+        </p:txBody>
+      </p:sp>
+      <p:sp>
+        <p:nvSpPr>
+          <p:cNvPr id="24" name="Rectángulo 23"/>
+          <p:cNvSpPr/>
+          <p:nvPr/>
+        </p:nvSpPr>
+        <p:spPr>
+          <a:xfrm>
+            <a:off x="9724318" y="3036887"/>
+            <a:ext cx="147485" cy="492125"/>
+          </a:xfrm>
+          <a:prstGeom prst="rect">
+            <a:avLst/>
+          </a:prstGeom>
+          <a:solidFill>
+            <a:schemeClr val="bg1">
+              <a:lumMod val="65000"/>
+            </a:schemeClr>
+          </a:solidFill>
+          <a:ln>
+            <a:solidFill>
+              <a:schemeClr val="tx1"/>
+            </a:solidFill>
+          </a:ln>
+        </p:spPr>
+        <p:style>
+          <a:lnRef idx="2">
+            <a:schemeClr val="accent1">
+              <a:shade val="50000"/>
+            </a:schemeClr>
+          </a:lnRef>
+          <a:fillRef idx="1">
+            <a:schemeClr val="accent1"/>
+          </a:fillRef>
+          <a:effectRef idx="0">
+            <a:schemeClr val="accent1"/>
+          </a:effectRef>
+          <a:fontRef idx="minor">
+            <a:schemeClr val="lt1"/>
+          </a:fontRef>
+        </p:style>
+        <p:txBody>
+          <a:bodyPr rtlCol="0" anchor="ctr"/>
+          <a:lstStyle/>
+          <a:p>
+            <a:pPr algn="ctr"/>
+            <a:endParaRPr lang="es-CO"/>
+          </a:p>
+        </p:txBody>
+      </p:sp>
+      <p:sp>
+        <p:nvSpPr>
+          <p:cNvPr id="25" name="Rectángulo 24"/>
+          <p:cNvSpPr/>
+          <p:nvPr/>
+        </p:nvSpPr>
+        <p:spPr>
+          <a:xfrm>
+            <a:off x="9724318" y="4134464"/>
+            <a:ext cx="147485" cy="492125"/>
+          </a:xfrm>
+          <a:prstGeom prst="rect">
+            <a:avLst/>
+          </a:prstGeom>
+          <a:solidFill>
+            <a:schemeClr val="bg1">
+              <a:lumMod val="65000"/>
+            </a:schemeClr>
+          </a:solidFill>
+          <a:ln>
+            <a:solidFill>
+              <a:schemeClr val="tx1"/>
+            </a:solidFill>
+          </a:ln>
+        </p:spPr>
+        <p:style>
+          <a:lnRef idx="2">
+            <a:schemeClr val="accent1">
+              <a:shade val="50000"/>
+            </a:schemeClr>
+          </a:lnRef>
+          <a:fillRef idx="1">
+            <a:schemeClr val="accent1"/>
+          </a:fillRef>
+          <a:effectRef idx="0">
+            <a:schemeClr val="accent1"/>
+          </a:effectRef>
+          <a:fontRef idx="minor">
+            <a:schemeClr val="lt1"/>
+          </a:fontRef>
+        </p:style>
+        <p:txBody>
+          <a:bodyPr rtlCol="0" anchor="ctr"/>
+          <a:lstStyle/>
+          <a:p>
+            <a:pPr algn="ctr"/>
+            <a:endParaRPr lang="es-CO"/>
+          </a:p>
+        </p:txBody>
+      </p:sp>
+      <p:sp>
+        <p:nvSpPr>
+          <p:cNvPr id="26" name="Rectángulo 25"/>
+          <p:cNvSpPr/>
+          <p:nvPr/>
+        </p:nvSpPr>
+        <p:spPr>
+          <a:xfrm>
+            <a:off x="9721758" y="5368058"/>
+            <a:ext cx="147485" cy="492125"/>
+          </a:xfrm>
+          <a:prstGeom prst="rect">
+            <a:avLst/>
+          </a:prstGeom>
+          <a:solidFill>
+            <a:schemeClr val="bg1">
+              <a:lumMod val="65000"/>
+            </a:schemeClr>
+          </a:solidFill>
+          <a:ln>
+            <a:solidFill>
+              <a:schemeClr val="tx1"/>
+            </a:solidFill>
+          </a:ln>
+        </p:spPr>
+        <p:style>
+          <a:lnRef idx="2">
+            <a:schemeClr val="accent1">
+              <a:shade val="50000"/>
+            </a:schemeClr>
+          </a:lnRef>
+          <a:fillRef idx="1">
+            <a:schemeClr val="accent1"/>
+          </a:fillRef>
+          <a:effectRef idx="0">
+            <a:schemeClr val="accent1"/>
+          </a:effectRef>
+          <a:fontRef idx="minor">
+            <a:schemeClr val="lt1"/>
+          </a:fontRef>
+        </p:style>
+        <p:txBody>
+          <a:bodyPr rtlCol="0" anchor="ctr"/>
+          <a:lstStyle/>
+          <a:p>
+            <a:pPr algn="ctr"/>
+            <a:endParaRPr lang="es-CO"/>
+          </a:p>
+        </p:txBody>
+      </p:sp>
+      <p:cxnSp>
+        <p:nvCxnSpPr>
+          <p:cNvPr id="28" name="Conector recto de flecha 27"/>
+          <p:cNvCxnSpPr/>
+          <p:nvPr/>
+        </p:nvCxnSpPr>
+        <p:spPr>
+          <a:xfrm>
+            <a:off x="7657964" y="2882900"/>
+            <a:ext cx="1048107" cy="0"/>
+          </a:xfrm>
+          <a:prstGeom prst="straightConnector1">
+            <a:avLst/>
+          </a:prstGeom>
+          <a:ln>
+            <a:solidFill>
+              <a:schemeClr val="tx1"/>
+            </a:solidFill>
+            <a:tailEnd type="triangle"/>
+          </a:ln>
+        </p:spPr>
+        <p:style>
+          <a:lnRef idx="1">
+            <a:schemeClr val="accent1"/>
+          </a:lnRef>
+          <a:fillRef idx="0">
+            <a:schemeClr val="accent1"/>
+          </a:fillRef>
+          <a:effectRef idx="0">
+            <a:schemeClr val="accent1"/>
+          </a:effectRef>
+          <a:fontRef idx="minor">
+            <a:schemeClr val="tx1"/>
+          </a:fontRef>
+        </p:style>
+      </p:cxnSp>
+      <p:cxnSp>
+        <p:nvCxnSpPr>
+          <p:cNvPr id="29" name="Conector recto de flecha 28"/>
+          <p:cNvCxnSpPr/>
+          <p:nvPr/>
+        </p:nvCxnSpPr>
+        <p:spPr>
+          <a:xfrm>
+            <a:off x="7657964" y="3092450"/>
+            <a:ext cx="2063794" cy="0"/>
+          </a:xfrm>
+          <a:prstGeom prst="straightConnector1">
+            <a:avLst/>
+          </a:prstGeom>
+          <a:ln>
+            <a:solidFill>
+              <a:schemeClr val="tx1"/>
+            </a:solidFill>
+            <a:tailEnd type="triangle"/>
+          </a:ln>
+        </p:spPr>
+        <p:style>
+          <a:lnRef idx="1">
+            <a:schemeClr val="accent1"/>
+          </a:lnRef>
+          <a:fillRef idx="0">
+            <a:schemeClr val="accent1"/>
+          </a:fillRef>
+          <a:effectRef idx="0">
+            <a:schemeClr val="accent1"/>
+          </a:effectRef>
+          <a:fontRef idx="minor">
+            <a:schemeClr val="tx1"/>
+          </a:fontRef>
+        </p:style>
+      </p:cxnSp>
+      <p:cxnSp>
+        <p:nvCxnSpPr>
+          <p:cNvPr id="31" name="Conector recto de flecha 30"/>
+          <p:cNvCxnSpPr/>
+          <p:nvPr/>
+        </p:nvCxnSpPr>
+        <p:spPr>
+          <a:xfrm>
+            <a:off x="7657964" y="4188542"/>
+            <a:ext cx="2063794" cy="0"/>
+          </a:xfrm>
+          <a:prstGeom prst="straightConnector1">
+            <a:avLst/>
+          </a:prstGeom>
+          <a:ln>
+            <a:solidFill>
+              <a:schemeClr val="tx1"/>
+            </a:solidFill>
+            <a:tailEnd type="triangle"/>
+          </a:ln>
+        </p:spPr>
+        <p:style>
+          <a:lnRef idx="1">
+            <a:schemeClr val="accent1"/>
+          </a:lnRef>
+          <a:fillRef idx="0">
+            <a:schemeClr val="accent1"/>
+          </a:fillRef>
+          <a:effectRef idx="0">
+            <a:schemeClr val="accent1"/>
+          </a:effectRef>
+          <a:fontRef idx="minor">
+            <a:schemeClr val="tx1"/>
+          </a:fontRef>
+        </p:style>
+      </p:cxnSp>
+      <p:cxnSp>
+        <p:nvCxnSpPr>
+          <p:cNvPr id="32" name="Conector recto de flecha 31"/>
+          <p:cNvCxnSpPr/>
+          <p:nvPr/>
+        </p:nvCxnSpPr>
+        <p:spPr>
+          <a:xfrm>
+            <a:off x="7657964" y="5433142"/>
+            <a:ext cx="2063794" cy="0"/>
+          </a:xfrm>
+          <a:prstGeom prst="straightConnector1">
+            <a:avLst/>
+          </a:prstGeom>
+          <a:ln>
+            <a:solidFill>
+              <a:schemeClr val="tx1"/>
+            </a:solidFill>
+            <a:tailEnd type="triangle"/>
+          </a:ln>
+        </p:spPr>
+        <p:style>
+          <a:lnRef idx="1">
+            <a:schemeClr val="accent1"/>
+          </a:lnRef>
+          <a:fillRef idx="0">
+            <a:schemeClr val="accent1"/>
+          </a:fillRef>
+          <a:effectRef idx="0">
+            <a:schemeClr val="accent1"/>
+          </a:effectRef>
+          <a:fontRef idx="minor">
+            <a:schemeClr val="tx1"/>
+          </a:fontRef>
+        </p:style>
+      </p:cxnSp>
+      <p:sp>
+        <p:nvSpPr>
+          <p:cNvPr id="33" name="CuadroTexto 32"/>
+          <p:cNvSpPr txBox="1"/>
+          <p:nvPr/>
+        </p:nvSpPr>
+        <p:spPr>
+          <a:xfrm>
+            <a:off x="9846733" y="3144449"/>
+            <a:ext cx="1744133" cy="276999"/>
+          </a:xfrm>
+          <a:prstGeom prst="rect">
+            <a:avLst/>
+          </a:prstGeom>
+          <a:noFill/>
+        </p:spPr>
+        <p:txBody>
+          <a:bodyPr wrap="square" rtlCol="0">
+            <a:spAutoFit/>
+          </a:bodyPr>
+          <a:lstStyle/>
+          <a:p>
+            <a:r>
+              <a:rPr lang="es-ES" sz="1200" dirty="0" err="1" smtClean="0"/>
+              <a:t>Envíé</a:t>
+            </a:r>
+            <a:r>
+              <a:rPr lang="es-ES" sz="1200" dirty="0" smtClean="0"/>
+              <a:t> un mensaje</a:t>
+            </a:r>
+            <a:endParaRPr lang="es-CO" sz="1200" dirty="0"/>
+          </a:p>
+        </p:txBody>
+      </p:sp>
+      <p:sp>
+        <p:nvSpPr>
+          <p:cNvPr id="34" name="CuadroTexto 33"/>
+          <p:cNvSpPr txBox="1"/>
+          <p:nvPr/>
+        </p:nvSpPr>
+        <p:spPr>
+          <a:xfrm>
+            <a:off x="9870498" y="4242026"/>
+            <a:ext cx="1744133" cy="276999"/>
+          </a:xfrm>
+          <a:prstGeom prst="rect">
+            <a:avLst/>
+          </a:prstGeom>
+          <a:noFill/>
+        </p:spPr>
+        <p:txBody>
+          <a:bodyPr wrap="square" rtlCol="0">
+            <a:spAutoFit/>
+          </a:bodyPr>
+          <a:lstStyle/>
+          <a:p>
+            <a:r>
+              <a:rPr lang="es-ES" sz="1200" dirty="0" err="1"/>
+              <a:t>Envíé</a:t>
+            </a:r>
+            <a:r>
+              <a:rPr lang="es-ES" sz="1200" dirty="0"/>
+              <a:t> un mensaje</a:t>
+            </a:r>
+            <a:endParaRPr lang="es-CO" sz="1200" dirty="0"/>
+          </a:p>
+        </p:txBody>
+      </p:sp>
+      <p:sp>
+        <p:nvSpPr>
+          <p:cNvPr id="35" name="CuadroTexto 34"/>
+          <p:cNvSpPr txBox="1"/>
+          <p:nvPr/>
+        </p:nvSpPr>
+        <p:spPr>
+          <a:xfrm>
+            <a:off x="9870498" y="5339603"/>
+            <a:ext cx="1744133" cy="276999"/>
+          </a:xfrm>
+          <a:prstGeom prst="rect">
+            <a:avLst/>
+          </a:prstGeom>
+          <a:noFill/>
+        </p:spPr>
+        <p:txBody>
+          <a:bodyPr wrap="square" rtlCol="0">
+            <a:spAutoFit/>
+          </a:bodyPr>
+          <a:lstStyle/>
+          <a:p>
+            <a:r>
+              <a:rPr lang="es-ES" sz="1200" dirty="0" err="1"/>
+              <a:t>Envíé</a:t>
+            </a:r>
+            <a:r>
+              <a:rPr lang="es-ES" sz="1200" dirty="0"/>
+              <a:t> un mensaje</a:t>
+            </a:r>
+            <a:endParaRPr lang="es-CO" sz="1200" dirty="0"/>
+          </a:p>
+        </p:txBody>
+      </p:sp>
+      <p:sp>
+        <p:nvSpPr>
+          <p:cNvPr id="36" name="CuadroTexto 35"/>
+          <p:cNvSpPr txBox="1"/>
+          <p:nvPr/>
+        </p:nvSpPr>
+        <p:spPr>
+          <a:xfrm>
+            <a:off x="8849691" y="2650242"/>
+            <a:ext cx="1744133" cy="461665"/>
+          </a:xfrm>
+          <a:prstGeom prst="rect">
+            <a:avLst/>
+          </a:prstGeom>
+          <a:noFill/>
+        </p:spPr>
+        <p:txBody>
+          <a:bodyPr wrap="square" rtlCol="0">
+            <a:spAutoFit/>
+          </a:bodyPr>
+          <a:lstStyle/>
+          <a:p>
+            <a:r>
+              <a:rPr lang="es-ES" sz="1200" dirty="0" smtClean="0"/>
+              <a:t>Siempre </a:t>
+            </a:r>
+          </a:p>
+          <a:p>
+            <a:r>
+              <a:rPr lang="es-ES" sz="1200" dirty="0" smtClean="0"/>
+              <a:t>recibo</a:t>
+            </a:r>
+            <a:endParaRPr lang="es-CO" sz="1200" dirty="0"/>
+          </a:p>
+        </p:txBody>
+      </p:sp>
+    </p:spTree>
+    <p:extLst>
+      <p:ext uri="{BB962C8B-B14F-4D97-AF65-F5344CB8AC3E}">
+        <p14:creationId xmlns:p14="http://schemas.microsoft.com/office/powerpoint/2010/main" val="1987200508"/>
       </p:ext>
     </p:extLst>
   </p:cSld>
